--- a/red/interface/image/user_image.pptx
+++ b/red/interface/image/user_image.pptx
@@ -15,6 +15,7 @@
     <p:sldId id="264" r:id="rId9"/>
     <p:sldId id="265" r:id="rId10"/>
     <p:sldId id="266" r:id="rId11"/>
+    <p:sldId id="268" r:id="rId12"/>
   </p:sldIdLst>
   <p:sldSz cx="12192000" cy="6858000"/>
   <p:notesSz cx="6858000" cy="9144000"/>
@@ -268,7 +269,7 @@
           <a:p>
             <a:fld id="{C9E485D7-0AB5-4DBF-8AAC-F806A9A221FA}" type="datetimeFigureOut">
               <a:rPr lang="ko-KR" altLang="en-US" smtClean="0"/>
-              <a:t>2020-12-25</a:t>
+              <a:t>2020-12-27</a:t>
             </a:fld>
             <a:endParaRPr lang="ko-KR" altLang="en-US"/>
           </a:p>
@@ -466,7 +467,7 @@
           <a:p>
             <a:fld id="{C9E485D7-0AB5-4DBF-8AAC-F806A9A221FA}" type="datetimeFigureOut">
               <a:rPr lang="ko-KR" altLang="en-US" smtClean="0"/>
-              <a:t>2020-12-25</a:t>
+              <a:t>2020-12-27</a:t>
             </a:fld>
             <a:endParaRPr lang="ko-KR" altLang="en-US"/>
           </a:p>
@@ -674,7 +675,7 @@
           <a:p>
             <a:fld id="{C9E485D7-0AB5-4DBF-8AAC-F806A9A221FA}" type="datetimeFigureOut">
               <a:rPr lang="ko-KR" altLang="en-US" smtClean="0"/>
-              <a:t>2020-12-25</a:t>
+              <a:t>2020-12-27</a:t>
             </a:fld>
             <a:endParaRPr lang="ko-KR" altLang="en-US"/>
           </a:p>
@@ -872,7 +873,7 @@
           <a:p>
             <a:fld id="{C9E485D7-0AB5-4DBF-8AAC-F806A9A221FA}" type="datetimeFigureOut">
               <a:rPr lang="ko-KR" altLang="en-US" smtClean="0"/>
-              <a:t>2020-12-25</a:t>
+              <a:t>2020-12-27</a:t>
             </a:fld>
             <a:endParaRPr lang="ko-KR" altLang="en-US"/>
           </a:p>
@@ -1147,7 +1148,7 @@
           <a:p>
             <a:fld id="{C9E485D7-0AB5-4DBF-8AAC-F806A9A221FA}" type="datetimeFigureOut">
               <a:rPr lang="ko-KR" altLang="en-US" smtClean="0"/>
-              <a:t>2020-12-25</a:t>
+              <a:t>2020-12-27</a:t>
             </a:fld>
             <a:endParaRPr lang="ko-KR" altLang="en-US"/>
           </a:p>
@@ -1412,7 +1413,7 @@
           <a:p>
             <a:fld id="{C9E485D7-0AB5-4DBF-8AAC-F806A9A221FA}" type="datetimeFigureOut">
               <a:rPr lang="ko-KR" altLang="en-US" smtClean="0"/>
-              <a:t>2020-12-25</a:t>
+              <a:t>2020-12-27</a:t>
             </a:fld>
             <a:endParaRPr lang="ko-KR" altLang="en-US"/>
           </a:p>
@@ -1824,7 +1825,7 @@
           <a:p>
             <a:fld id="{C9E485D7-0AB5-4DBF-8AAC-F806A9A221FA}" type="datetimeFigureOut">
               <a:rPr lang="ko-KR" altLang="en-US" smtClean="0"/>
-              <a:t>2020-12-25</a:t>
+              <a:t>2020-12-27</a:t>
             </a:fld>
             <a:endParaRPr lang="ko-KR" altLang="en-US"/>
           </a:p>
@@ -1965,7 +1966,7 @@
           <a:p>
             <a:fld id="{C9E485D7-0AB5-4DBF-8AAC-F806A9A221FA}" type="datetimeFigureOut">
               <a:rPr lang="ko-KR" altLang="en-US" smtClean="0"/>
-              <a:t>2020-12-25</a:t>
+              <a:t>2020-12-27</a:t>
             </a:fld>
             <a:endParaRPr lang="ko-KR" altLang="en-US"/>
           </a:p>
@@ -2078,7 +2079,7 @@
           <a:p>
             <a:fld id="{C9E485D7-0AB5-4DBF-8AAC-F806A9A221FA}" type="datetimeFigureOut">
               <a:rPr lang="ko-KR" altLang="en-US" smtClean="0"/>
-              <a:t>2020-12-25</a:t>
+              <a:t>2020-12-27</a:t>
             </a:fld>
             <a:endParaRPr lang="ko-KR" altLang="en-US"/>
           </a:p>
@@ -2389,7 +2390,7 @@
           <a:p>
             <a:fld id="{C9E485D7-0AB5-4DBF-8AAC-F806A9A221FA}" type="datetimeFigureOut">
               <a:rPr lang="ko-KR" altLang="en-US" smtClean="0"/>
-              <a:t>2020-12-25</a:t>
+              <a:t>2020-12-27</a:t>
             </a:fld>
             <a:endParaRPr lang="ko-KR" altLang="en-US"/>
           </a:p>
@@ -2677,7 +2678,7 @@
           <a:p>
             <a:fld id="{C9E485D7-0AB5-4DBF-8AAC-F806A9A221FA}" type="datetimeFigureOut">
               <a:rPr lang="ko-KR" altLang="en-US" smtClean="0"/>
-              <a:t>2020-12-25</a:t>
+              <a:t>2020-12-27</a:t>
             </a:fld>
             <a:endParaRPr lang="ko-KR" altLang="en-US"/>
           </a:p>
@@ -2918,7 +2919,7 @@
           <a:p>
             <a:fld id="{C9E485D7-0AB5-4DBF-8AAC-F806A9A221FA}" type="datetimeFigureOut">
               <a:rPr lang="ko-KR" altLang="en-US" smtClean="0"/>
-              <a:t>2020-12-25</a:t>
+              <a:t>2020-12-27</a:t>
             </a:fld>
             <a:endParaRPr lang="ko-KR" altLang="en-US"/>
           </a:p>
@@ -5100,6 +5101,1096 @@
 </p:sld>
 </file>
 
+<file path=ppt/slides/slide11.xml><?xml version="1.0" encoding="utf-8"?>
+<p:sld xmlns:a="http://schemas.openxmlformats.org/drawingml/2006/main" xmlns:r="http://schemas.openxmlformats.org/officeDocument/2006/relationships" xmlns:p="http://schemas.openxmlformats.org/presentationml/2006/main">
+  <p:cSld>
+    <p:spTree>
+      <p:nvGrpSpPr>
+        <p:cNvPr id="1" name=""/>
+        <p:cNvGrpSpPr/>
+        <p:nvPr/>
+      </p:nvGrpSpPr>
+      <p:grpSpPr>
+        <a:xfrm>
+          <a:off x="0" y="0"/>
+          <a:ext cx="0" cy="0"/>
+          <a:chOff x="0" y="0"/>
+          <a:chExt cx="0" cy="0"/>
+        </a:xfrm>
+      </p:grpSpPr>
+      <p:grpSp>
+        <p:nvGrpSpPr>
+          <p:cNvPr id="24" name="그룹 23">
+            <a:extLst>
+              <a:ext uri="{FF2B5EF4-FFF2-40B4-BE49-F238E27FC236}">
+                <a16:creationId xmlns:a16="http://schemas.microsoft.com/office/drawing/2014/main" id="{E2AE081B-01E0-4366-A0ED-DF2E6EC84227}"/>
+              </a:ext>
+            </a:extLst>
+          </p:cNvPr>
+          <p:cNvGrpSpPr/>
+          <p:nvPr/>
+        </p:nvGrpSpPr>
+        <p:grpSpPr>
+          <a:xfrm>
+            <a:off x="922960" y="636998"/>
+            <a:ext cx="10140594" cy="719191"/>
+            <a:chOff x="922960" y="636998"/>
+            <a:chExt cx="10140594" cy="719191"/>
+          </a:xfrm>
+        </p:grpSpPr>
+        <p:sp>
+          <p:nvSpPr>
+            <p:cNvPr id="6" name="직사각형 5">
+              <a:extLst>
+                <a:ext uri="{FF2B5EF4-FFF2-40B4-BE49-F238E27FC236}">
+                  <a16:creationId xmlns:a16="http://schemas.microsoft.com/office/drawing/2014/main" id="{6E57FC58-C254-4F86-BE37-947071B4CF69}"/>
+                </a:ext>
+              </a:extLst>
+            </p:cNvPr>
+            <p:cNvSpPr/>
+            <p:nvPr/>
+          </p:nvSpPr>
+          <p:spPr>
+            <a:xfrm>
+              <a:off x="922960" y="636998"/>
+              <a:ext cx="6659367" cy="82193"/>
+            </a:xfrm>
+            <a:prstGeom prst="rect">
+              <a:avLst/>
+            </a:prstGeom>
+            <a:solidFill>
+              <a:srgbClr val="FF0000"/>
+            </a:solidFill>
+            <a:ln>
+              <a:solidFill>
+                <a:schemeClr val="bg1">
+                  <a:lumMod val="75000"/>
+                </a:schemeClr>
+              </a:solidFill>
+            </a:ln>
+          </p:spPr>
+          <p:style>
+            <a:lnRef idx="2">
+              <a:schemeClr val="accent1">
+                <a:shade val="50000"/>
+              </a:schemeClr>
+            </a:lnRef>
+            <a:fillRef idx="1">
+              <a:schemeClr val="accent1"/>
+            </a:fillRef>
+            <a:effectRef idx="0">
+              <a:schemeClr val="accent1"/>
+            </a:effectRef>
+            <a:fontRef idx="minor">
+              <a:schemeClr val="lt1"/>
+            </a:fontRef>
+          </p:style>
+          <p:txBody>
+            <a:bodyPr rtlCol="0" anchor="ctr"/>
+            <a:lstStyle/>
+            <a:p>
+              <a:pPr algn="ctr"/>
+              <a:endParaRPr lang="ko-KR" altLang="en-US" dirty="0"/>
+            </a:p>
+          </p:txBody>
+        </p:sp>
+        <p:sp>
+          <p:nvSpPr>
+            <p:cNvPr id="7" name="직사각형 6">
+              <a:extLst>
+                <a:ext uri="{FF2B5EF4-FFF2-40B4-BE49-F238E27FC236}">
+                  <a16:creationId xmlns:a16="http://schemas.microsoft.com/office/drawing/2014/main" id="{6B6316CA-7ADF-4B74-AFF6-83BEF32ED972}"/>
+                </a:ext>
+              </a:extLst>
+            </p:cNvPr>
+            <p:cNvSpPr/>
+            <p:nvPr/>
+          </p:nvSpPr>
+          <p:spPr>
+            <a:xfrm>
+              <a:off x="7582328" y="636998"/>
+              <a:ext cx="3481226" cy="82193"/>
+            </a:xfrm>
+            <a:prstGeom prst="rect">
+              <a:avLst/>
+            </a:prstGeom>
+            <a:solidFill>
+              <a:srgbClr val="FF0000">
+                <a:alpha val="50000"/>
+              </a:srgbClr>
+            </a:solidFill>
+            <a:ln>
+              <a:solidFill>
+                <a:schemeClr val="bg1">
+                  <a:lumMod val="75000"/>
+                </a:schemeClr>
+              </a:solidFill>
+            </a:ln>
+          </p:spPr>
+          <p:style>
+            <a:lnRef idx="2">
+              <a:schemeClr val="accent1">
+                <a:shade val="50000"/>
+              </a:schemeClr>
+            </a:lnRef>
+            <a:fillRef idx="1">
+              <a:schemeClr val="accent1"/>
+            </a:fillRef>
+            <a:effectRef idx="0">
+              <a:schemeClr val="accent1"/>
+            </a:effectRef>
+            <a:fontRef idx="minor">
+              <a:schemeClr val="lt1"/>
+            </a:fontRef>
+          </p:style>
+          <p:txBody>
+            <a:bodyPr rtlCol="0" anchor="ctr"/>
+            <a:lstStyle/>
+            <a:p>
+              <a:pPr algn="ctr"/>
+              <a:endParaRPr lang="ko-KR" altLang="en-US"/>
+            </a:p>
+          </p:txBody>
+        </p:sp>
+        <p:sp>
+          <p:nvSpPr>
+            <p:cNvPr id="8" name="직사각형 7">
+              <a:extLst>
+                <a:ext uri="{FF2B5EF4-FFF2-40B4-BE49-F238E27FC236}">
+                  <a16:creationId xmlns:a16="http://schemas.microsoft.com/office/drawing/2014/main" id="{18864F1E-B09C-45E4-87CD-2C852F13E954}"/>
+                </a:ext>
+              </a:extLst>
+            </p:cNvPr>
+            <p:cNvSpPr/>
+            <p:nvPr/>
+          </p:nvSpPr>
+          <p:spPr>
+            <a:xfrm>
+              <a:off x="922960" y="719191"/>
+              <a:ext cx="10140593" cy="636998"/>
+            </a:xfrm>
+            <a:prstGeom prst="rect">
+              <a:avLst/>
+            </a:prstGeom>
+            <a:solidFill>
+              <a:schemeClr val="bg1"/>
+            </a:solidFill>
+            <a:ln>
+              <a:solidFill>
+                <a:schemeClr val="bg1">
+                  <a:lumMod val="75000"/>
+                </a:schemeClr>
+              </a:solidFill>
+            </a:ln>
+          </p:spPr>
+          <p:style>
+            <a:lnRef idx="2">
+              <a:schemeClr val="accent6"/>
+            </a:lnRef>
+            <a:fillRef idx="1">
+              <a:schemeClr val="lt1"/>
+            </a:fillRef>
+            <a:effectRef idx="0">
+              <a:schemeClr val="accent6"/>
+            </a:effectRef>
+            <a:fontRef idx="minor">
+              <a:schemeClr val="dk1"/>
+            </a:fontRef>
+          </p:style>
+          <p:txBody>
+            <a:bodyPr rtlCol="0" anchor="ctr"/>
+            <a:lstStyle/>
+            <a:p>
+              <a:pPr algn="ctr"/>
+              <a:r>
+                <a:rPr lang="ko-KR" altLang="en-US" sz="2000" dirty="0">
+                  <a:latin typeface="나눔스퀘어 Bold" panose="020B0600000101010101" pitchFamily="50" charset="-127"/>
+                  <a:ea typeface="나눔스퀘어 Bold" panose="020B0600000101010101" pitchFamily="50" charset="-127"/>
+                </a:rPr>
+                <a:t>고객님께서 관심을 갖고 있는 </a:t>
+              </a:r>
+              <a:r>
+                <a:rPr lang="en-US" altLang="ko-KR" sz="2000" dirty="0">
+                  <a:latin typeface="나눔스퀘어 Bold" panose="020B0600000101010101" pitchFamily="50" charset="-127"/>
+                  <a:ea typeface="나눔스퀘어 Bold" panose="020B0600000101010101" pitchFamily="50" charset="-127"/>
+                </a:rPr>
+                <a:t>'</a:t>
+              </a:r>
+              <a:r>
+                <a:rPr lang="ko-KR" altLang="en-US" sz="2000" dirty="0">
+                  <a:latin typeface="나눔스퀘어 Bold" panose="020B0600000101010101" pitchFamily="50" charset="-127"/>
+                  <a:ea typeface="나눔스퀘어 Bold" panose="020B0600000101010101" pitchFamily="50" charset="-127"/>
+                </a:rPr>
+                <a:t>건설</a:t>
+              </a:r>
+              <a:r>
+                <a:rPr lang="en-US" altLang="ko-KR" sz="2000" dirty="0">
+                  <a:latin typeface="나눔스퀘어 Bold" panose="020B0600000101010101" pitchFamily="50" charset="-127"/>
+                  <a:ea typeface="나눔스퀘어 Bold" panose="020B0600000101010101" pitchFamily="50" charset="-127"/>
+                </a:rPr>
+                <a:t>' </a:t>
+              </a:r>
+              <a:r>
+                <a:rPr lang="ko-KR" altLang="en-US" sz="2000" dirty="0">
+                  <a:latin typeface="나눔스퀘어 Bold" panose="020B0600000101010101" pitchFamily="50" charset="-127"/>
+                  <a:ea typeface="나눔스퀘어 Bold" panose="020B0600000101010101" pitchFamily="50" charset="-127"/>
+                </a:rPr>
+                <a:t>산업은 </a:t>
+              </a:r>
+              <a:r>
+                <a:rPr lang="en-US" altLang="ko-KR" sz="2000" dirty="0">
+                  <a:latin typeface="나눔스퀘어 Bold" panose="020B0600000101010101" pitchFamily="50" charset="-127"/>
+                  <a:ea typeface="나눔스퀘어 Bold" panose="020B0600000101010101" pitchFamily="50" charset="-127"/>
+                </a:rPr>
+                <a:t>'</a:t>
+              </a:r>
+              <a:r>
+                <a:rPr lang="ko-KR" altLang="en-US" sz="2000" dirty="0">
+                  <a:latin typeface="나눔스퀘어 Bold" panose="020B0600000101010101" pitchFamily="50" charset="-127"/>
+                  <a:ea typeface="나눔스퀘어 Bold" panose="020B0600000101010101" pitchFamily="50" charset="-127"/>
+                </a:rPr>
+                <a:t>의약</a:t>
+              </a:r>
+              <a:r>
+                <a:rPr lang="en-US" altLang="ko-KR" sz="2000" dirty="0">
+                  <a:latin typeface="나눔스퀘어 Bold" panose="020B0600000101010101" pitchFamily="50" charset="-127"/>
+                  <a:ea typeface="나눔스퀘어 Bold" panose="020B0600000101010101" pitchFamily="50" charset="-127"/>
+                </a:rPr>
+                <a:t>'</a:t>
+              </a:r>
+              <a:r>
+                <a:rPr lang="ko-KR" altLang="en-US" sz="2000" dirty="0">
+                  <a:latin typeface="나눔스퀘어 Bold" panose="020B0600000101010101" pitchFamily="50" charset="-127"/>
+                  <a:ea typeface="나눔스퀘어 Bold" panose="020B0600000101010101" pitchFamily="50" charset="-127"/>
+                </a:rPr>
+                <a:t> 산업과 음</a:t>
+              </a:r>
+              <a:r>
+                <a:rPr lang="en-US" altLang="ko-KR" sz="2000" dirty="0">
+                  <a:latin typeface="나눔스퀘어 Bold" panose="020B0600000101010101" pitchFamily="50" charset="-127"/>
+                  <a:ea typeface="나눔스퀘어 Bold" panose="020B0600000101010101" pitchFamily="50" charset="-127"/>
+                </a:rPr>
+                <a:t>(-)</a:t>
+              </a:r>
+              <a:r>
+                <a:rPr lang="ko-KR" altLang="en-US" sz="2000" dirty="0">
+                  <a:latin typeface="나눔스퀘어 Bold" panose="020B0600000101010101" pitchFamily="50" charset="-127"/>
+                  <a:ea typeface="나눔스퀘어 Bold" panose="020B0600000101010101" pitchFamily="50" charset="-127"/>
+                </a:rPr>
+                <a:t>의 상관관계를 갖고 있습니다 </a:t>
+              </a:r>
+            </a:p>
+          </p:txBody>
+        </p:sp>
+      </p:grpSp>
+      <p:grpSp>
+        <p:nvGrpSpPr>
+          <p:cNvPr id="25" name="그룹 24">
+            <a:extLst>
+              <a:ext uri="{FF2B5EF4-FFF2-40B4-BE49-F238E27FC236}">
+                <a16:creationId xmlns:a16="http://schemas.microsoft.com/office/drawing/2014/main" id="{74ADCB14-03EF-4BE8-9EDB-AC772F222ECB}"/>
+              </a:ext>
+            </a:extLst>
+          </p:cNvPr>
+          <p:cNvGrpSpPr/>
+          <p:nvPr/>
+        </p:nvGrpSpPr>
+        <p:grpSpPr>
+          <a:xfrm>
+            <a:off x="922960" y="1808252"/>
+            <a:ext cx="10140594" cy="719191"/>
+            <a:chOff x="922960" y="1808252"/>
+            <a:chExt cx="10140594" cy="719191"/>
+          </a:xfrm>
+        </p:grpSpPr>
+        <p:sp>
+          <p:nvSpPr>
+            <p:cNvPr id="9" name="직사각형 8">
+              <a:extLst>
+                <a:ext uri="{FF2B5EF4-FFF2-40B4-BE49-F238E27FC236}">
+                  <a16:creationId xmlns:a16="http://schemas.microsoft.com/office/drawing/2014/main" id="{256F28C4-43BD-4898-B05A-4A6BD88CBCBE}"/>
+                </a:ext>
+              </a:extLst>
+            </p:cNvPr>
+            <p:cNvSpPr/>
+            <p:nvPr/>
+          </p:nvSpPr>
+          <p:spPr>
+            <a:xfrm>
+              <a:off x="922960" y="1808252"/>
+              <a:ext cx="6659367" cy="82193"/>
+            </a:xfrm>
+            <a:prstGeom prst="rect">
+              <a:avLst/>
+            </a:prstGeom>
+            <a:solidFill>
+              <a:srgbClr val="FF0000"/>
+            </a:solidFill>
+            <a:ln>
+              <a:solidFill>
+                <a:schemeClr val="bg1">
+                  <a:lumMod val="75000"/>
+                </a:schemeClr>
+              </a:solidFill>
+            </a:ln>
+          </p:spPr>
+          <p:style>
+            <a:lnRef idx="2">
+              <a:schemeClr val="accent1">
+                <a:shade val="50000"/>
+              </a:schemeClr>
+            </a:lnRef>
+            <a:fillRef idx="1">
+              <a:schemeClr val="accent1"/>
+            </a:fillRef>
+            <a:effectRef idx="0">
+              <a:schemeClr val="accent1"/>
+            </a:effectRef>
+            <a:fontRef idx="minor">
+              <a:schemeClr val="lt1"/>
+            </a:fontRef>
+          </p:style>
+          <p:txBody>
+            <a:bodyPr rtlCol="0" anchor="ctr"/>
+            <a:lstStyle/>
+            <a:p>
+              <a:pPr algn="ctr"/>
+              <a:endParaRPr lang="ko-KR" altLang="en-US" dirty="0"/>
+            </a:p>
+          </p:txBody>
+        </p:sp>
+        <p:sp>
+          <p:nvSpPr>
+            <p:cNvPr id="10" name="직사각형 9">
+              <a:extLst>
+                <a:ext uri="{FF2B5EF4-FFF2-40B4-BE49-F238E27FC236}">
+                  <a16:creationId xmlns:a16="http://schemas.microsoft.com/office/drawing/2014/main" id="{92B6E44A-089C-4267-B018-2219DD4B3FE4}"/>
+                </a:ext>
+              </a:extLst>
+            </p:cNvPr>
+            <p:cNvSpPr/>
+            <p:nvPr/>
+          </p:nvSpPr>
+          <p:spPr>
+            <a:xfrm>
+              <a:off x="7582328" y="1808252"/>
+              <a:ext cx="3481226" cy="82193"/>
+            </a:xfrm>
+            <a:prstGeom prst="rect">
+              <a:avLst/>
+            </a:prstGeom>
+            <a:solidFill>
+              <a:srgbClr val="FF0000">
+                <a:alpha val="50000"/>
+              </a:srgbClr>
+            </a:solidFill>
+            <a:ln>
+              <a:solidFill>
+                <a:schemeClr val="bg1">
+                  <a:lumMod val="75000"/>
+                </a:schemeClr>
+              </a:solidFill>
+            </a:ln>
+          </p:spPr>
+          <p:style>
+            <a:lnRef idx="2">
+              <a:schemeClr val="accent1">
+                <a:shade val="50000"/>
+              </a:schemeClr>
+            </a:lnRef>
+            <a:fillRef idx="1">
+              <a:schemeClr val="accent1"/>
+            </a:fillRef>
+            <a:effectRef idx="0">
+              <a:schemeClr val="accent1"/>
+            </a:effectRef>
+            <a:fontRef idx="minor">
+              <a:schemeClr val="lt1"/>
+            </a:fontRef>
+          </p:style>
+          <p:txBody>
+            <a:bodyPr rtlCol="0" anchor="ctr"/>
+            <a:lstStyle/>
+            <a:p>
+              <a:pPr algn="ctr"/>
+              <a:endParaRPr lang="ko-KR" altLang="en-US"/>
+            </a:p>
+          </p:txBody>
+        </p:sp>
+        <p:sp>
+          <p:nvSpPr>
+            <p:cNvPr id="11" name="직사각형 10">
+              <a:extLst>
+                <a:ext uri="{FF2B5EF4-FFF2-40B4-BE49-F238E27FC236}">
+                  <a16:creationId xmlns:a16="http://schemas.microsoft.com/office/drawing/2014/main" id="{ED5C702F-CBC8-405B-8B78-95FBA0D58555}"/>
+                </a:ext>
+              </a:extLst>
+            </p:cNvPr>
+            <p:cNvSpPr/>
+            <p:nvPr/>
+          </p:nvSpPr>
+          <p:spPr>
+            <a:xfrm>
+              <a:off x="922960" y="1890445"/>
+              <a:ext cx="10140593" cy="636998"/>
+            </a:xfrm>
+            <a:prstGeom prst="rect">
+              <a:avLst/>
+            </a:prstGeom>
+            <a:solidFill>
+              <a:schemeClr val="bg1"/>
+            </a:solidFill>
+            <a:ln>
+              <a:solidFill>
+                <a:schemeClr val="bg1">
+                  <a:lumMod val="75000"/>
+                </a:schemeClr>
+              </a:solidFill>
+            </a:ln>
+          </p:spPr>
+          <p:style>
+            <a:lnRef idx="2">
+              <a:schemeClr val="accent6"/>
+            </a:lnRef>
+            <a:fillRef idx="1">
+              <a:schemeClr val="lt1"/>
+            </a:fillRef>
+            <a:effectRef idx="0">
+              <a:schemeClr val="accent6"/>
+            </a:effectRef>
+            <a:fontRef idx="minor">
+              <a:schemeClr val="dk1"/>
+            </a:fontRef>
+          </p:style>
+          <p:txBody>
+            <a:bodyPr rtlCol="0" anchor="ctr"/>
+            <a:lstStyle/>
+            <a:p>
+              <a:pPr algn="ctr"/>
+              <a:r>
+                <a:rPr lang="ko-KR" altLang="en-US" sz="2000" dirty="0">
+                  <a:latin typeface="나눔스퀘어 Bold" panose="020B0600000101010101" pitchFamily="50" charset="-127"/>
+                  <a:ea typeface="나눔스퀘어 Bold" panose="020B0600000101010101" pitchFamily="50" charset="-127"/>
+                </a:rPr>
+                <a:t>고객님께서 관심을 갖고 있는 </a:t>
+              </a:r>
+              <a:r>
+                <a:rPr lang="en-US" altLang="ko-KR" sz="2000" dirty="0">
+                  <a:latin typeface="나눔스퀘어 Bold" panose="020B0600000101010101" pitchFamily="50" charset="-127"/>
+                  <a:ea typeface="나눔스퀘어 Bold" panose="020B0600000101010101" pitchFamily="50" charset="-127"/>
+                </a:rPr>
+                <a:t>'</a:t>
+              </a:r>
+              <a:r>
+                <a:rPr lang="ko-KR" altLang="en-US" sz="2000" dirty="0">
+                  <a:latin typeface="나눔스퀘어 Bold" panose="020B0600000101010101" pitchFamily="50" charset="-127"/>
+                  <a:ea typeface="나눔스퀘어 Bold" panose="020B0600000101010101" pitchFamily="50" charset="-127"/>
+                </a:rPr>
+                <a:t>건설</a:t>
+              </a:r>
+              <a:r>
+                <a:rPr lang="en-US" altLang="ko-KR" sz="2000" dirty="0">
+                  <a:latin typeface="나눔스퀘어 Bold" panose="020B0600000101010101" pitchFamily="50" charset="-127"/>
+                  <a:ea typeface="나눔스퀘어 Bold" panose="020B0600000101010101" pitchFamily="50" charset="-127"/>
+                </a:rPr>
+                <a:t>' </a:t>
+              </a:r>
+              <a:r>
+                <a:rPr lang="ko-KR" altLang="en-US" sz="2000" dirty="0">
+                  <a:latin typeface="나눔스퀘어 Bold" panose="020B0600000101010101" pitchFamily="50" charset="-127"/>
+                  <a:ea typeface="나눔스퀘어 Bold" panose="020B0600000101010101" pitchFamily="50" charset="-127"/>
+                </a:rPr>
+                <a:t>산업은 </a:t>
+              </a:r>
+              <a:r>
+                <a:rPr lang="en-US" altLang="ko-KR" sz="2000" dirty="0">
+                  <a:latin typeface="나눔스퀘어 Bold" panose="020B0600000101010101" pitchFamily="50" charset="-127"/>
+                  <a:ea typeface="나눔스퀘어 Bold" panose="020B0600000101010101" pitchFamily="50" charset="-127"/>
+                </a:rPr>
+                <a:t>'</a:t>
+              </a:r>
+              <a:r>
+                <a:rPr lang="ko-KR" altLang="en-US" sz="2000" dirty="0">
+                  <a:latin typeface="나눔스퀘어 Bold" panose="020B0600000101010101" pitchFamily="50" charset="-127"/>
+                  <a:ea typeface="나눔스퀘어 Bold" panose="020B0600000101010101" pitchFamily="50" charset="-127"/>
+                </a:rPr>
+                <a:t>철강금속</a:t>
+              </a:r>
+              <a:r>
+                <a:rPr lang="en-US" altLang="ko-KR" sz="2000" dirty="0">
+                  <a:latin typeface="나눔스퀘어 Bold" panose="020B0600000101010101" pitchFamily="50" charset="-127"/>
+                  <a:ea typeface="나눔스퀘어 Bold" panose="020B0600000101010101" pitchFamily="50" charset="-127"/>
+                </a:rPr>
+                <a:t>' </a:t>
+              </a:r>
+              <a:r>
+                <a:rPr lang="ko-KR" altLang="en-US" sz="2000" dirty="0">
+                  <a:latin typeface="나눔스퀘어 Bold" panose="020B0600000101010101" pitchFamily="50" charset="-127"/>
+                  <a:ea typeface="나눔스퀘어 Bold" panose="020B0600000101010101" pitchFamily="50" charset="-127"/>
+                </a:rPr>
+                <a:t>산업과 양</a:t>
+              </a:r>
+              <a:r>
+                <a:rPr lang="en-US" altLang="ko-KR" sz="2000" dirty="0">
+                  <a:latin typeface="나눔스퀘어 Bold" panose="020B0600000101010101" pitchFamily="50" charset="-127"/>
+                  <a:ea typeface="나눔스퀘어 Bold" panose="020B0600000101010101" pitchFamily="50" charset="-127"/>
+                </a:rPr>
+                <a:t>(+)</a:t>
+              </a:r>
+              <a:r>
+                <a:rPr lang="ko-KR" altLang="en-US" sz="2000" dirty="0">
+                  <a:latin typeface="나눔스퀘어 Bold" panose="020B0600000101010101" pitchFamily="50" charset="-127"/>
+                  <a:ea typeface="나눔스퀘어 Bold" panose="020B0600000101010101" pitchFamily="50" charset="-127"/>
+                </a:rPr>
+                <a:t>의 상관관계를 갖고 있습니다 </a:t>
+              </a:r>
+            </a:p>
+          </p:txBody>
+        </p:sp>
+      </p:grpSp>
+      <p:grpSp>
+        <p:nvGrpSpPr>
+          <p:cNvPr id="26" name="그룹 25">
+            <a:extLst>
+              <a:ext uri="{FF2B5EF4-FFF2-40B4-BE49-F238E27FC236}">
+                <a16:creationId xmlns:a16="http://schemas.microsoft.com/office/drawing/2014/main" id="{D426FFC5-0E6C-4AE3-B2BC-6A13571AAE31}"/>
+              </a:ext>
+            </a:extLst>
+          </p:cNvPr>
+          <p:cNvGrpSpPr/>
+          <p:nvPr/>
+        </p:nvGrpSpPr>
+        <p:grpSpPr>
+          <a:xfrm>
+            <a:off x="922959" y="3061699"/>
+            <a:ext cx="10140594" cy="719191"/>
+            <a:chOff x="922959" y="3061699"/>
+            <a:chExt cx="10140594" cy="719191"/>
+          </a:xfrm>
+        </p:grpSpPr>
+        <p:sp>
+          <p:nvSpPr>
+            <p:cNvPr id="12" name="직사각형 11">
+              <a:extLst>
+                <a:ext uri="{FF2B5EF4-FFF2-40B4-BE49-F238E27FC236}">
+                  <a16:creationId xmlns:a16="http://schemas.microsoft.com/office/drawing/2014/main" id="{9FF7D8A6-05B4-4726-A0CD-6039AEAB523B}"/>
+                </a:ext>
+              </a:extLst>
+            </p:cNvPr>
+            <p:cNvSpPr/>
+            <p:nvPr/>
+          </p:nvSpPr>
+          <p:spPr>
+            <a:xfrm>
+              <a:off x="922959" y="3061699"/>
+              <a:ext cx="6659367" cy="82193"/>
+            </a:xfrm>
+            <a:prstGeom prst="rect">
+              <a:avLst/>
+            </a:prstGeom>
+            <a:solidFill>
+              <a:srgbClr val="FF0000"/>
+            </a:solidFill>
+            <a:ln>
+              <a:solidFill>
+                <a:schemeClr val="bg1">
+                  <a:lumMod val="75000"/>
+                </a:schemeClr>
+              </a:solidFill>
+            </a:ln>
+          </p:spPr>
+          <p:style>
+            <a:lnRef idx="2">
+              <a:schemeClr val="accent1">
+                <a:shade val="50000"/>
+              </a:schemeClr>
+            </a:lnRef>
+            <a:fillRef idx="1">
+              <a:schemeClr val="accent1"/>
+            </a:fillRef>
+            <a:effectRef idx="0">
+              <a:schemeClr val="accent1"/>
+            </a:effectRef>
+            <a:fontRef idx="minor">
+              <a:schemeClr val="lt1"/>
+            </a:fontRef>
+          </p:style>
+          <p:txBody>
+            <a:bodyPr rtlCol="0" anchor="ctr"/>
+            <a:lstStyle/>
+            <a:p>
+              <a:pPr algn="ctr"/>
+              <a:endParaRPr lang="ko-KR" altLang="en-US" dirty="0"/>
+            </a:p>
+          </p:txBody>
+        </p:sp>
+        <p:sp>
+          <p:nvSpPr>
+            <p:cNvPr id="13" name="직사각형 12">
+              <a:extLst>
+                <a:ext uri="{FF2B5EF4-FFF2-40B4-BE49-F238E27FC236}">
+                  <a16:creationId xmlns:a16="http://schemas.microsoft.com/office/drawing/2014/main" id="{793A94D0-8BBA-4B18-8E1F-465341A8B9B0}"/>
+                </a:ext>
+              </a:extLst>
+            </p:cNvPr>
+            <p:cNvSpPr/>
+            <p:nvPr/>
+          </p:nvSpPr>
+          <p:spPr>
+            <a:xfrm>
+              <a:off x="7582327" y="3061699"/>
+              <a:ext cx="3481226" cy="82193"/>
+            </a:xfrm>
+            <a:prstGeom prst="rect">
+              <a:avLst/>
+            </a:prstGeom>
+            <a:solidFill>
+              <a:srgbClr val="FF0000">
+                <a:alpha val="50000"/>
+              </a:srgbClr>
+            </a:solidFill>
+            <a:ln>
+              <a:solidFill>
+                <a:schemeClr val="bg1">
+                  <a:lumMod val="75000"/>
+                </a:schemeClr>
+              </a:solidFill>
+            </a:ln>
+          </p:spPr>
+          <p:style>
+            <a:lnRef idx="2">
+              <a:schemeClr val="accent1">
+                <a:shade val="50000"/>
+              </a:schemeClr>
+            </a:lnRef>
+            <a:fillRef idx="1">
+              <a:schemeClr val="accent1"/>
+            </a:fillRef>
+            <a:effectRef idx="0">
+              <a:schemeClr val="accent1"/>
+            </a:effectRef>
+            <a:fontRef idx="minor">
+              <a:schemeClr val="lt1"/>
+            </a:fontRef>
+          </p:style>
+          <p:txBody>
+            <a:bodyPr rtlCol="0" anchor="ctr"/>
+            <a:lstStyle/>
+            <a:p>
+              <a:pPr algn="ctr"/>
+              <a:endParaRPr lang="ko-KR" altLang="en-US"/>
+            </a:p>
+          </p:txBody>
+        </p:sp>
+        <p:sp>
+          <p:nvSpPr>
+            <p:cNvPr id="14" name="직사각형 13">
+              <a:extLst>
+                <a:ext uri="{FF2B5EF4-FFF2-40B4-BE49-F238E27FC236}">
+                  <a16:creationId xmlns:a16="http://schemas.microsoft.com/office/drawing/2014/main" id="{C8383713-67F6-408F-91BA-7CFB5DAB542B}"/>
+                </a:ext>
+              </a:extLst>
+            </p:cNvPr>
+            <p:cNvSpPr/>
+            <p:nvPr/>
+          </p:nvSpPr>
+          <p:spPr>
+            <a:xfrm>
+              <a:off x="922959" y="3143892"/>
+              <a:ext cx="10140593" cy="636998"/>
+            </a:xfrm>
+            <a:prstGeom prst="rect">
+              <a:avLst/>
+            </a:prstGeom>
+            <a:solidFill>
+              <a:schemeClr val="bg1"/>
+            </a:solidFill>
+            <a:ln>
+              <a:solidFill>
+                <a:schemeClr val="bg1">
+                  <a:lumMod val="75000"/>
+                </a:schemeClr>
+              </a:solidFill>
+            </a:ln>
+          </p:spPr>
+          <p:style>
+            <a:lnRef idx="2">
+              <a:schemeClr val="accent6"/>
+            </a:lnRef>
+            <a:fillRef idx="1">
+              <a:schemeClr val="lt1"/>
+            </a:fillRef>
+            <a:effectRef idx="0">
+              <a:schemeClr val="accent6"/>
+            </a:effectRef>
+            <a:fontRef idx="minor">
+              <a:schemeClr val="dk1"/>
+            </a:fontRef>
+          </p:style>
+          <p:txBody>
+            <a:bodyPr rtlCol="0" anchor="ctr"/>
+            <a:lstStyle/>
+            <a:p>
+              <a:pPr algn="ctr"/>
+              <a:r>
+                <a:rPr lang="ko-KR" altLang="en-US" sz="2000" dirty="0">
+                  <a:latin typeface="나눔스퀘어 Bold" panose="020B0600000101010101" pitchFamily="50" charset="-127"/>
+                  <a:ea typeface="나눔스퀘어 Bold" panose="020B0600000101010101" pitchFamily="50" charset="-127"/>
+                </a:rPr>
+                <a:t>고객님께서 관심을 갖고 있는 </a:t>
+              </a:r>
+              <a:r>
+                <a:rPr lang="en-US" altLang="ko-KR" sz="2000" dirty="0">
+                  <a:latin typeface="나눔스퀘어 Bold" panose="020B0600000101010101" pitchFamily="50" charset="-127"/>
+                  <a:ea typeface="나눔스퀘어 Bold" panose="020B0600000101010101" pitchFamily="50" charset="-127"/>
+                </a:rPr>
+                <a:t>'</a:t>
+              </a:r>
+              <a:r>
+                <a:rPr lang="ko-KR" altLang="en-US" sz="2000" dirty="0">
+                  <a:latin typeface="나눔스퀘어 Bold" panose="020B0600000101010101" pitchFamily="50" charset="-127"/>
+                  <a:ea typeface="나눔스퀘어 Bold" panose="020B0600000101010101" pitchFamily="50" charset="-127"/>
+                </a:rPr>
+                <a:t>운수장비</a:t>
+              </a:r>
+              <a:r>
+                <a:rPr lang="en-US" altLang="ko-KR" sz="2000" dirty="0">
+                  <a:latin typeface="나눔스퀘어 Bold" panose="020B0600000101010101" pitchFamily="50" charset="-127"/>
+                  <a:ea typeface="나눔스퀘어 Bold" panose="020B0600000101010101" pitchFamily="50" charset="-127"/>
+                </a:rPr>
+                <a:t>' </a:t>
+              </a:r>
+              <a:r>
+                <a:rPr lang="ko-KR" altLang="en-US" sz="2000" dirty="0">
+                  <a:latin typeface="나눔스퀘어 Bold" panose="020B0600000101010101" pitchFamily="50" charset="-127"/>
+                  <a:ea typeface="나눔스퀘어 Bold" panose="020B0600000101010101" pitchFamily="50" charset="-127"/>
+                </a:rPr>
+                <a:t>산업은 </a:t>
+              </a:r>
+              <a:r>
+                <a:rPr lang="en-US" altLang="ko-KR" sz="2000" dirty="0">
+                  <a:latin typeface="나눔스퀘어 Bold" panose="020B0600000101010101" pitchFamily="50" charset="-127"/>
+                  <a:ea typeface="나눔스퀘어 Bold" panose="020B0600000101010101" pitchFamily="50" charset="-127"/>
+                </a:rPr>
+                <a:t>'</a:t>
+              </a:r>
+              <a:r>
+                <a:rPr lang="ko-KR" altLang="en-US" sz="2000" dirty="0">
+                  <a:latin typeface="나눔스퀘어 Bold" panose="020B0600000101010101" pitchFamily="50" charset="-127"/>
+                  <a:ea typeface="나눔스퀘어 Bold" panose="020B0600000101010101" pitchFamily="50" charset="-127"/>
+                </a:rPr>
+                <a:t>의약</a:t>
+              </a:r>
+              <a:r>
+                <a:rPr lang="en-US" altLang="ko-KR" sz="2000" dirty="0">
+                  <a:latin typeface="나눔스퀘어 Bold" panose="020B0600000101010101" pitchFamily="50" charset="-127"/>
+                  <a:ea typeface="나눔스퀘어 Bold" panose="020B0600000101010101" pitchFamily="50" charset="-127"/>
+                </a:rPr>
+                <a:t>'</a:t>
+              </a:r>
+              <a:r>
+                <a:rPr lang="ko-KR" altLang="en-US" sz="2000" dirty="0">
+                  <a:latin typeface="나눔스퀘어 Bold" panose="020B0600000101010101" pitchFamily="50" charset="-127"/>
+                  <a:ea typeface="나눔스퀘어 Bold" panose="020B0600000101010101" pitchFamily="50" charset="-127"/>
+                </a:rPr>
+                <a:t> 산업과 음</a:t>
+              </a:r>
+              <a:r>
+                <a:rPr lang="en-US" altLang="ko-KR" sz="2000" dirty="0">
+                  <a:latin typeface="나눔스퀘어 Bold" panose="020B0600000101010101" pitchFamily="50" charset="-127"/>
+                  <a:ea typeface="나눔스퀘어 Bold" panose="020B0600000101010101" pitchFamily="50" charset="-127"/>
+                </a:rPr>
+                <a:t>(-)</a:t>
+              </a:r>
+              <a:r>
+                <a:rPr lang="ko-KR" altLang="en-US" sz="2000" dirty="0">
+                  <a:latin typeface="나눔스퀘어 Bold" panose="020B0600000101010101" pitchFamily="50" charset="-127"/>
+                  <a:ea typeface="나눔스퀘어 Bold" panose="020B0600000101010101" pitchFamily="50" charset="-127"/>
+                </a:rPr>
+                <a:t>의 상관관계를 갖고 있습니다 </a:t>
+              </a:r>
+            </a:p>
+          </p:txBody>
+        </p:sp>
+      </p:grpSp>
+      <p:grpSp>
+        <p:nvGrpSpPr>
+          <p:cNvPr id="27" name="그룹 26">
+            <a:extLst>
+              <a:ext uri="{FF2B5EF4-FFF2-40B4-BE49-F238E27FC236}">
+                <a16:creationId xmlns:a16="http://schemas.microsoft.com/office/drawing/2014/main" id="{E024415D-EE94-4ECA-9E16-D7F4048B664E}"/>
+              </a:ext>
+            </a:extLst>
+          </p:cNvPr>
+          <p:cNvGrpSpPr/>
+          <p:nvPr/>
+        </p:nvGrpSpPr>
+        <p:grpSpPr>
+          <a:xfrm>
+            <a:off x="922958" y="4356242"/>
+            <a:ext cx="10140594" cy="719191"/>
+            <a:chOff x="922958" y="4356242"/>
+            <a:chExt cx="10140594" cy="719191"/>
+          </a:xfrm>
+        </p:grpSpPr>
+        <p:sp>
+          <p:nvSpPr>
+            <p:cNvPr id="15" name="직사각형 14">
+              <a:extLst>
+                <a:ext uri="{FF2B5EF4-FFF2-40B4-BE49-F238E27FC236}">
+                  <a16:creationId xmlns:a16="http://schemas.microsoft.com/office/drawing/2014/main" id="{C924F0B0-7E1D-4DF2-8B86-7B3204377723}"/>
+                </a:ext>
+              </a:extLst>
+            </p:cNvPr>
+            <p:cNvSpPr/>
+            <p:nvPr/>
+          </p:nvSpPr>
+          <p:spPr>
+            <a:xfrm>
+              <a:off x="922958" y="4356242"/>
+              <a:ext cx="6659367" cy="82193"/>
+            </a:xfrm>
+            <a:prstGeom prst="rect">
+              <a:avLst/>
+            </a:prstGeom>
+            <a:solidFill>
+              <a:srgbClr val="FF0000"/>
+            </a:solidFill>
+            <a:ln>
+              <a:solidFill>
+                <a:schemeClr val="bg1">
+                  <a:lumMod val="75000"/>
+                </a:schemeClr>
+              </a:solidFill>
+            </a:ln>
+          </p:spPr>
+          <p:style>
+            <a:lnRef idx="2">
+              <a:schemeClr val="accent1">
+                <a:shade val="50000"/>
+              </a:schemeClr>
+            </a:lnRef>
+            <a:fillRef idx="1">
+              <a:schemeClr val="accent1"/>
+            </a:fillRef>
+            <a:effectRef idx="0">
+              <a:schemeClr val="accent1"/>
+            </a:effectRef>
+            <a:fontRef idx="minor">
+              <a:schemeClr val="lt1"/>
+            </a:fontRef>
+          </p:style>
+          <p:txBody>
+            <a:bodyPr rtlCol="0" anchor="ctr"/>
+            <a:lstStyle/>
+            <a:p>
+              <a:pPr algn="ctr"/>
+              <a:endParaRPr lang="ko-KR" altLang="en-US" dirty="0"/>
+            </a:p>
+          </p:txBody>
+        </p:sp>
+        <p:sp>
+          <p:nvSpPr>
+            <p:cNvPr id="16" name="직사각형 15">
+              <a:extLst>
+                <a:ext uri="{FF2B5EF4-FFF2-40B4-BE49-F238E27FC236}">
+                  <a16:creationId xmlns:a16="http://schemas.microsoft.com/office/drawing/2014/main" id="{A4842D9C-D8F9-4C9D-82BB-C5B4A70A0CD1}"/>
+                </a:ext>
+              </a:extLst>
+            </p:cNvPr>
+            <p:cNvSpPr/>
+            <p:nvPr/>
+          </p:nvSpPr>
+          <p:spPr>
+            <a:xfrm>
+              <a:off x="7582326" y="4356242"/>
+              <a:ext cx="3481226" cy="82193"/>
+            </a:xfrm>
+            <a:prstGeom prst="rect">
+              <a:avLst/>
+            </a:prstGeom>
+            <a:solidFill>
+              <a:srgbClr val="FF0000">
+                <a:alpha val="50000"/>
+              </a:srgbClr>
+            </a:solidFill>
+            <a:ln>
+              <a:solidFill>
+                <a:schemeClr val="bg1">
+                  <a:lumMod val="75000"/>
+                </a:schemeClr>
+              </a:solidFill>
+            </a:ln>
+          </p:spPr>
+          <p:style>
+            <a:lnRef idx="2">
+              <a:schemeClr val="accent1">
+                <a:shade val="50000"/>
+              </a:schemeClr>
+            </a:lnRef>
+            <a:fillRef idx="1">
+              <a:schemeClr val="accent1"/>
+            </a:fillRef>
+            <a:effectRef idx="0">
+              <a:schemeClr val="accent1"/>
+            </a:effectRef>
+            <a:fontRef idx="minor">
+              <a:schemeClr val="lt1"/>
+            </a:fontRef>
+          </p:style>
+          <p:txBody>
+            <a:bodyPr rtlCol="0" anchor="ctr"/>
+            <a:lstStyle/>
+            <a:p>
+              <a:pPr algn="ctr"/>
+              <a:endParaRPr lang="ko-KR" altLang="en-US"/>
+            </a:p>
+          </p:txBody>
+        </p:sp>
+        <p:sp>
+          <p:nvSpPr>
+            <p:cNvPr id="17" name="직사각형 16">
+              <a:extLst>
+                <a:ext uri="{FF2B5EF4-FFF2-40B4-BE49-F238E27FC236}">
+                  <a16:creationId xmlns:a16="http://schemas.microsoft.com/office/drawing/2014/main" id="{4416476D-48EB-4917-91D6-98C4089CF263}"/>
+                </a:ext>
+              </a:extLst>
+            </p:cNvPr>
+            <p:cNvSpPr/>
+            <p:nvPr/>
+          </p:nvSpPr>
+          <p:spPr>
+            <a:xfrm>
+              <a:off x="922958" y="4438435"/>
+              <a:ext cx="10140593" cy="636998"/>
+            </a:xfrm>
+            <a:prstGeom prst="rect">
+              <a:avLst/>
+            </a:prstGeom>
+            <a:solidFill>
+              <a:schemeClr val="bg1"/>
+            </a:solidFill>
+            <a:ln>
+              <a:solidFill>
+                <a:schemeClr val="bg1">
+                  <a:lumMod val="75000"/>
+                </a:schemeClr>
+              </a:solidFill>
+            </a:ln>
+          </p:spPr>
+          <p:style>
+            <a:lnRef idx="2">
+              <a:schemeClr val="accent6"/>
+            </a:lnRef>
+            <a:fillRef idx="1">
+              <a:schemeClr val="lt1"/>
+            </a:fillRef>
+            <a:effectRef idx="0">
+              <a:schemeClr val="accent6"/>
+            </a:effectRef>
+            <a:fontRef idx="minor">
+              <a:schemeClr val="dk1"/>
+            </a:fontRef>
+          </p:style>
+          <p:txBody>
+            <a:bodyPr rtlCol="0" anchor="ctr"/>
+            <a:lstStyle/>
+            <a:p>
+              <a:pPr algn="ctr"/>
+              <a:r>
+                <a:rPr lang="ko-KR" altLang="en-US" sz="2000" dirty="0">
+                  <a:latin typeface="나눔스퀘어 Bold" panose="020B0600000101010101" pitchFamily="50" charset="-127"/>
+                  <a:ea typeface="나눔스퀘어 Bold" panose="020B0600000101010101" pitchFamily="50" charset="-127"/>
+                </a:rPr>
+                <a:t>고객님께서 관심을 갖고 있는 </a:t>
+              </a:r>
+              <a:r>
+                <a:rPr lang="en-US" altLang="ko-KR" sz="2000" dirty="0">
+                  <a:latin typeface="나눔스퀘어 Bold" panose="020B0600000101010101" pitchFamily="50" charset="-127"/>
+                  <a:ea typeface="나눔스퀘어 Bold" panose="020B0600000101010101" pitchFamily="50" charset="-127"/>
+                </a:rPr>
+                <a:t>'</a:t>
+              </a:r>
+              <a:r>
+                <a:rPr lang="ko-KR" altLang="en-US" sz="2000" dirty="0">
+                  <a:latin typeface="나눔스퀘어 Bold" panose="020B0600000101010101" pitchFamily="50" charset="-127"/>
+                  <a:ea typeface="나눔스퀘어 Bold" panose="020B0600000101010101" pitchFamily="50" charset="-127"/>
+                </a:rPr>
+                <a:t>의약</a:t>
+              </a:r>
+              <a:r>
+                <a:rPr lang="en-US" altLang="ko-KR" sz="2000" dirty="0">
+                  <a:latin typeface="나눔스퀘어 Bold" panose="020B0600000101010101" pitchFamily="50" charset="-127"/>
+                  <a:ea typeface="나눔스퀘어 Bold" panose="020B0600000101010101" pitchFamily="50" charset="-127"/>
+                </a:rPr>
+                <a:t>' </a:t>
+              </a:r>
+              <a:r>
+                <a:rPr lang="ko-KR" altLang="en-US" sz="2000" dirty="0">
+                  <a:latin typeface="나눔스퀘어 Bold" panose="020B0600000101010101" pitchFamily="50" charset="-127"/>
+                  <a:ea typeface="나눔스퀘어 Bold" panose="020B0600000101010101" pitchFamily="50" charset="-127"/>
+                </a:rPr>
+                <a:t>산업은 </a:t>
+              </a:r>
+              <a:r>
+                <a:rPr lang="en-US" altLang="ko-KR" sz="2000" dirty="0">
+                  <a:latin typeface="나눔스퀘어 Bold" panose="020B0600000101010101" pitchFamily="50" charset="-127"/>
+                  <a:ea typeface="나눔스퀘어 Bold" panose="020B0600000101010101" pitchFamily="50" charset="-127"/>
+                </a:rPr>
+                <a:t>'</a:t>
+              </a:r>
+              <a:r>
+                <a:rPr lang="ko-KR" altLang="en-US" sz="2000" dirty="0">
+                  <a:latin typeface="나눔스퀘어 Bold" panose="020B0600000101010101" pitchFamily="50" charset="-127"/>
+                  <a:ea typeface="나눔스퀘어 Bold" panose="020B0600000101010101" pitchFamily="50" charset="-127"/>
+                </a:rPr>
+                <a:t>철강금속</a:t>
+              </a:r>
+              <a:r>
+                <a:rPr lang="en-US" altLang="ko-KR" sz="2000" dirty="0">
+                  <a:latin typeface="나눔스퀘어 Bold" panose="020B0600000101010101" pitchFamily="50" charset="-127"/>
+                  <a:ea typeface="나눔스퀘어 Bold" panose="020B0600000101010101" pitchFamily="50" charset="-127"/>
+                </a:rPr>
+                <a:t>'</a:t>
+              </a:r>
+              <a:r>
+                <a:rPr lang="ko-KR" altLang="en-US" sz="2000" dirty="0">
+                  <a:latin typeface="나눔스퀘어 Bold" panose="020B0600000101010101" pitchFamily="50" charset="-127"/>
+                  <a:ea typeface="나눔스퀘어 Bold" panose="020B0600000101010101" pitchFamily="50" charset="-127"/>
+                </a:rPr>
+                <a:t> 산업과 음</a:t>
+              </a:r>
+              <a:r>
+                <a:rPr lang="en-US" altLang="ko-KR" sz="2000" dirty="0">
+                  <a:latin typeface="나눔스퀘어 Bold" panose="020B0600000101010101" pitchFamily="50" charset="-127"/>
+                  <a:ea typeface="나눔스퀘어 Bold" panose="020B0600000101010101" pitchFamily="50" charset="-127"/>
+                </a:rPr>
+                <a:t>(-)</a:t>
+              </a:r>
+              <a:r>
+                <a:rPr lang="ko-KR" altLang="en-US" sz="2000" dirty="0">
+                  <a:latin typeface="나눔스퀘어 Bold" panose="020B0600000101010101" pitchFamily="50" charset="-127"/>
+                  <a:ea typeface="나눔스퀘어 Bold" panose="020B0600000101010101" pitchFamily="50" charset="-127"/>
+                </a:rPr>
+                <a:t>의 상관관계를 갖고 있습니다 </a:t>
+              </a:r>
+            </a:p>
+          </p:txBody>
+        </p:sp>
+      </p:grpSp>
+    </p:spTree>
+    <p:extLst>
+      <p:ext uri="{BB962C8B-B14F-4D97-AF65-F5344CB8AC3E}">
+        <p14:creationId xmlns:p14="http://schemas.microsoft.com/office/powerpoint/2010/main" val="2228389477"/>
+      </p:ext>
+    </p:extLst>
+  </p:cSld>
+  <p:clrMapOvr>
+    <a:masterClrMapping/>
+  </p:clrMapOvr>
+</p:sld>
+</file>
+
 <file path=ppt/slides/slide2.xml><?xml version="1.0" encoding="utf-8"?>
 <p:sld xmlns:a="http://schemas.openxmlformats.org/drawingml/2006/main" xmlns:r="http://schemas.openxmlformats.org/officeDocument/2006/relationships" xmlns:p="http://schemas.openxmlformats.org/presentationml/2006/main">
   <p:cSld>
@@ -9813,805 +10904,836 @@
           <a:chExt cx="0" cy="0"/>
         </a:xfrm>
       </p:grpSpPr>
-      <p:sp>
-        <p:nvSpPr>
-          <p:cNvPr id="4" name="직사각형 3">
+      <p:grpSp>
+        <p:nvGrpSpPr>
+          <p:cNvPr id="2" name="그룹 1">
             <a:extLst>
               <a:ext uri="{FF2B5EF4-FFF2-40B4-BE49-F238E27FC236}">
-                <a16:creationId xmlns:a16="http://schemas.microsoft.com/office/drawing/2014/main" id="{28C5ED0C-F3D7-40A9-9D64-3004341218C2}"/>
+                <a16:creationId xmlns:a16="http://schemas.microsoft.com/office/drawing/2014/main" id="{19AA35B9-D7CA-4C6F-8720-BEB0D72AB1FA}"/>
               </a:ext>
             </a:extLst>
           </p:cNvPr>
-          <p:cNvSpPr/>
+          <p:cNvGrpSpPr/>
           <p:nvPr/>
-        </p:nvSpPr>
-        <p:spPr>
+        </p:nvGrpSpPr>
+        <p:grpSpPr>
           <a:xfrm>
-            <a:off x="1025703" y="1047964"/>
-            <a:ext cx="10140593" cy="4890499"/>
+            <a:off x="1025703" y="965771"/>
+            <a:ext cx="10140594" cy="4972692"/>
+            <a:chOff x="1025703" y="965771"/>
+            <a:chExt cx="10140594" cy="4972692"/>
           </a:xfrm>
-          <a:prstGeom prst="rect">
-            <a:avLst/>
-          </a:prstGeom>
-          <a:solidFill>
-            <a:schemeClr val="bg1"/>
-          </a:solidFill>
-          <a:ln>
+        </p:grpSpPr>
+        <p:sp>
+          <p:nvSpPr>
+            <p:cNvPr id="4" name="직사각형 3">
+              <a:extLst>
+                <a:ext uri="{FF2B5EF4-FFF2-40B4-BE49-F238E27FC236}">
+                  <a16:creationId xmlns:a16="http://schemas.microsoft.com/office/drawing/2014/main" id="{28C5ED0C-F3D7-40A9-9D64-3004341218C2}"/>
+                </a:ext>
+              </a:extLst>
+            </p:cNvPr>
+            <p:cNvSpPr/>
+            <p:nvPr/>
+          </p:nvSpPr>
+          <p:spPr>
+            <a:xfrm>
+              <a:off x="1025703" y="1047964"/>
+              <a:ext cx="10140593" cy="4890499"/>
+            </a:xfrm>
+            <a:prstGeom prst="rect">
+              <a:avLst/>
+            </a:prstGeom>
             <a:solidFill>
-              <a:schemeClr val="bg1">
-                <a:lumMod val="75000"/>
+              <a:schemeClr val="bg1"/>
+            </a:solidFill>
+            <a:ln>
+              <a:solidFill>
+                <a:schemeClr val="bg1">
+                  <a:lumMod val="75000"/>
+                </a:schemeClr>
+              </a:solidFill>
+            </a:ln>
+          </p:spPr>
+          <p:style>
+            <a:lnRef idx="2">
+              <a:schemeClr val="accent6"/>
+            </a:lnRef>
+            <a:fillRef idx="1">
+              <a:schemeClr val="lt1"/>
+            </a:fillRef>
+            <a:effectRef idx="0">
+              <a:schemeClr val="accent6"/>
+            </a:effectRef>
+            <a:fontRef idx="minor">
+              <a:schemeClr val="dk1"/>
+            </a:fontRef>
+          </p:style>
+          <p:txBody>
+            <a:bodyPr rtlCol="0" anchor="ctr"/>
+            <a:lstStyle/>
+            <a:p>
+              <a:pPr algn="ctr"/>
+              <a:endParaRPr lang="ko-KR" altLang="en-US"/>
+            </a:p>
+          </p:txBody>
+        </p:sp>
+        <p:sp>
+          <p:nvSpPr>
+            <p:cNvPr id="5" name="직사각형 4">
+              <a:extLst>
+                <a:ext uri="{FF2B5EF4-FFF2-40B4-BE49-F238E27FC236}">
+                  <a16:creationId xmlns:a16="http://schemas.microsoft.com/office/drawing/2014/main" id="{1D4F4572-AA96-466A-9AB2-54A1B4B2E37B}"/>
+                </a:ext>
+              </a:extLst>
+            </p:cNvPr>
+            <p:cNvSpPr/>
+            <p:nvPr/>
+          </p:nvSpPr>
+          <p:spPr>
+            <a:xfrm>
+              <a:off x="1025703" y="965771"/>
+              <a:ext cx="6659367" cy="82193"/>
+            </a:xfrm>
+            <a:prstGeom prst="rect">
+              <a:avLst/>
+            </a:prstGeom>
+            <a:solidFill>
+              <a:srgbClr val="FF0000"/>
+            </a:solidFill>
+            <a:ln>
+              <a:solidFill>
+                <a:schemeClr val="bg1">
+                  <a:lumMod val="75000"/>
+                </a:schemeClr>
+              </a:solidFill>
+            </a:ln>
+          </p:spPr>
+          <p:style>
+            <a:lnRef idx="2">
+              <a:schemeClr val="accent1">
+                <a:shade val="50000"/>
+              </a:schemeClr>
+            </a:lnRef>
+            <a:fillRef idx="1">
+              <a:schemeClr val="accent1"/>
+            </a:fillRef>
+            <a:effectRef idx="0">
+              <a:schemeClr val="accent1"/>
+            </a:effectRef>
+            <a:fontRef idx="minor">
+              <a:schemeClr val="lt1"/>
+            </a:fontRef>
+          </p:style>
+          <p:txBody>
+            <a:bodyPr rtlCol="0" anchor="ctr"/>
+            <a:lstStyle/>
+            <a:p>
+              <a:pPr algn="ctr"/>
+              <a:endParaRPr lang="ko-KR" altLang="en-US"/>
+            </a:p>
+          </p:txBody>
+        </p:sp>
+        <p:sp>
+          <p:nvSpPr>
+            <p:cNvPr id="6" name="직사각형 5">
+              <a:extLst>
+                <a:ext uri="{FF2B5EF4-FFF2-40B4-BE49-F238E27FC236}">
+                  <a16:creationId xmlns:a16="http://schemas.microsoft.com/office/drawing/2014/main" id="{F727561D-6AB2-4BAE-AD8E-297EA7D165F5}"/>
+                </a:ext>
+              </a:extLst>
+            </p:cNvPr>
+            <p:cNvSpPr/>
+            <p:nvPr/>
+          </p:nvSpPr>
+          <p:spPr>
+            <a:xfrm>
+              <a:off x="7685071" y="965771"/>
+              <a:ext cx="3481226" cy="82193"/>
+            </a:xfrm>
+            <a:prstGeom prst="rect">
+              <a:avLst/>
+            </a:prstGeom>
+            <a:solidFill>
+              <a:srgbClr val="FF0000">
+                <a:alpha val="50000"/>
+              </a:srgbClr>
+            </a:solidFill>
+            <a:ln>
+              <a:solidFill>
+                <a:schemeClr val="bg1">
+                  <a:lumMod val="75000"/>
+                </a:schemeClr>
+              </a:solidFill>
+            </a:ln>
+          </p:spPr>
+          <p:style>
+            <a:lnRef idx="2">
+              <a:schemeClr val="accent1">
+                <a:shade val="50000"/>
+              </a:schemeClr>
+            </a:lnRef>
+            <a:fillRef idx="1">
+              <a:schemeClr val="accent1"/>
+            </a:fillRef>
+            <a:effectRef idx="0">
+              <a:schemeClr val="accent1"/>
+            </a:effectRef>
+            <a:fontRef idx="minor">
+              <a:schemeClr val="lt1"/>
+            </a:fontRef>
+          </p:style>
+          <p:txBody>
+            <a:bodyPr rtlCol="0" anchor="ctr"/>
+            <a:lstStyle/>
+            <a:p>
+              <a:pPr algn="ctr"/>
+              <a:endParaRPr lang="ko-KR" altLang="en-US"/>
+            </a:p>
+          </p:txBody>
+        </p:sp>
+        <p:sp>
+          <p:nvSpPr>
+            <p:cNvPr id="10" name="직사각형 9">
+              <a:extLst>
+                <a:ext uri="{FF2B5EF4-FFF2-40B4-BE49-F238E27FC236}">
+                  <a16:creationId xmlns:a16="http://schemas.microsoft.com/office/drawing/2014/main" id="{F8423779-BE09-4911-B600-4FCB030855A2}"/>
+                </a:ext>
+              </a:extLst>
+            </p:cNvPr>
+            <p:cNvSpPr/>
+            <p:nvPr/>
+          </p:nvSpPr>
+          <p:spPr>
+            <a:xfrm>
+              <a:off x="2049692" y="1530849"/>
+              <a:ext cx="3804863" cy="832207"/>
+            </a:xfrm>
+            <a:prstGeom prst="rect">
+              <a:avLst/>
+            </a:prstGeom>
+            <a:solidFill>
+              <a:schemeClr val="accent2">
+                <a:lumMod val="20000"/>
+                <a:lumOff val="80000"/>
               </a:schemeClr>
             </a:solidFill>
-          </a:ln>
-        </p:spPr>
-        <p:style>
-          <a:lnRef idx="2">
-            <a:schemeClr val="accent6"/>
-          </a:lnRef>
-          <a:fillRef idx="1">
-            <a:schemeClr val="lt1"/>
-          </a:fillRef>
-          <a:effectRef idx="0">
-            <a:schemeClr val="accent6"/>
-          </a:effectRef>
-          <a:fontRef idx="minor">
-            <a:schemeClr val="dk1"/>
-          </a:fontRef>
-        </p:style>
-        <p:txBody>
-          <a:bodyPr rtlCol="0" anchor="ctr"/>
-          <a:lstStyle/>
-          <a:p>
-            <a:pPr algn="ctr"/>
-            <a:endParaRPr lang="ko-KR" altLang="en-US"/>
-          </a:p>
-        </p:txBody>
-      </p:sp>
-      <p:sp>
-        <p:nvSpPr>
-          <p:cNvPr id="5" name="직사각형 4">
-            <a:extLst>
-              <a:ext uri="{FF2B5EF4-FFF2-40B4-BE49-F238E27FC236}">
-                <a16:creationId xmlns:a16="http://schemas.microsoft.com/office/drawing/2014/main" id="{1D4F4572-AA96-466A-9AB2-54A1B4B2E37B}"/>
-              </a:ext>
-            </a:extLst>
-          </p:cNvPr>
-          <p:cNvSpPr/>
-          <p:nvPr/>
-        </p:nvSpPr>
-        <p:spPr>
-          <a:xfrm>
-            <a:off x="1025703" y="965771"/>
-            <a:ext cx="6659367" cy="82193"/>
-          </a:xfrm>
-          <a:prstGeom prst="rect">
-            <a:avLst/>
-          </a:prstGeom>
-          <a:solidFill>
-            <a:srgbClr val="FF0000"/>
-          </a:solidFill>
-          <a:ln>
-            <a:solidFill>
-              <a:schemeClr val="bg1">
-                <a:lumMod val="75000"/>
+            <a:ln>
+              <a:solidFill>
+                <a:schemeClr val="accent2">
+                  <a:lumMod val="60000"/>
+                  <a:lumOff val="40000"/>
+                </a:schemeClr>
+              </a:solidFill>
+            </a:ln>
+          </p:spPr>
+          <p:style>
+            <a:lnRef idx="2">
+              <a:schemeClr val="accent1">
+                <a:shade val="50000"/>
               </a:schemeClr>
-            </a:solidFill>
-          </a:ln>
-        </p:spPr>
-        <p:style>
-          <a:lnRef idx="2">
-            <a:schemeClr val="accent1">
-              <a:shade val="50000"/>
-            </a:schemeClr>
-          </a:lnRef>
-          <a:fillRef idx="1">
-            <a:schemeClr val="accent1"/>
-          </a:fillRef>
-          <a:effectRef idx="0">
-            <a:schemeClr val="accent1"/>
-          </a:effectRef>
-          <a:fontRef idx="minor">
-            <a:schemeClr val="lt1"/>
-          </a:fontRef>
-        </p:style>
-        <p:txBody>
-          <a:bodyPr rtlCol="0" anchor="ctr"/>
-          <a:lstStyle/>
-          <a:p>
-            <a:pPr algn="ctr"/>
-            <a:endParaRPr lang="ko-KR" altLang="en-US"/>
-          </a:p>
-        </p:txBody>
-      </p:sp>
-      <p:sp>
-        <p:nvSpPr>
-          <p:cNvPr id="6" name="직사각형 5">
-            <a:extLst>
-              <a:ext uri="{FF2B5EF4-FFF2-40B4-BE49-F238E27FC236}">
-                <a16:creationId xmlns:a16="http://schemas.microsoft.com/office/drawing/2014/main" id="{F727561D-6AB2-4BAE-AD8E-297EA7D165F5}"/>
-              </a:ext>
-            </a:extLst>
-          </p:cNvPr>
-          <p:cNvSpPr/>
-          <p:nvPr/>
-        </p:nvSpPr>
-        <p:spPr>
-          <a:xfrm>
-            <a:off x="7685071" y="965771"/>
-            <a:ext cx="3481226" cy="82193"/>
-          </a:xfrm>
-          <a:prstGeom prst="rect">
-            <a:avLst/>
-          </a:prstGeom>
-          <a:solidFill>
-            <a:srgbClr val="FF0000">
-              <a:alpha val="50000"/>
-            </a:srgbClr>
-          </a:solidFill>
-          <a:ln>
-            <a:solidFill>
-              <a:schemeClr val="bg1">
-                <a:lumMod val="75000"/>
-              </a:schemeClr>
-            </a:solidFill>
-          </a:ln>
-        </p:spPr>
-        <p:style>
-          <a:lnRef idx="2">
-            <a:schemeClr val="accent1">
-              <a:shade val="50000"/>
-            </a:schemeClr>
-          </a:lnRef>
-          <a:fillRef idx="1">
-            <a:schemeClr val="accent1"/>
-          </a:fillRef>
-          <a:effectRef idx="0">
-            <a:schemeClr val="accent1"/>
-          </a:effectRef>
-          <a:fontRef idx="minor">
-            <a:schemeClr val="lt1"/>
-          </a:fontRef>
-        </p:style>
-        <p:txBody>
-          <a:bodyPr rtlCol="0" anchor="ctr"/>
-          <a:lstStyle/>
-          <a:p>
-            <a:pPr algn="ctr"/>
-            <a:endParaRPr lang="ko-KR" altLang="en-US"/>
-          </a:p>
-        </p:txBody>
-      </p:sp>
-      <p:sp>
-        <p:nvSpPr>
-          <p:cNvPr id="10" name="직사각형 9">
-            <a:extLst>
-              <a:ext uri="{FF2B5EF4-FFF2-40B4-BE49-F238E27FC236}">
-                <a16:creationId xmlns:a16="http://schemas.microsoft.com/office/drawing/2014/main" id="{F8423779-BE09-4911-B600-4FCB030855A2}"/>
-              </a:ext>
-            </a:extLst>
-          </p:cNvPr>
-          <p:cNvSpPr/>
-          <p:nvPr/>
-        </p:nvSpPr>
-        <p:spPr>
-          <a:xfrm>
-            <a:off x="2049692" y="1530849"/>
-            <a:ext cx="3804863" cy="832207"/>
-          </a:xfrm>
-          <a:prstGeom prst="rect">
-            <a:avLst/>
-          </a:prstGeom>
-          <a:solidFill>
-            <a:schemeClr val="accent2">
-              <a:lumMod val="20000"/>
-              <a:lumOff val="80000"/>
-            </a:schemeClr>
-          </a:solidFill>
-          <a:ln>
+            </a:lnRef>
+            <a:fillRef idx="1">
+              <a:schemeClr val="accent1"/>
+            </a:fillRef>
+            <a:effectRef idx="0">
+              <a:schemeClr val="accent1"/>
+            </a:effectRef>
+            <a:fontRef idx="minor">
+              <a:schemeClr val="lt1"/>
+            </a:fontRef>
+          </p:style>
+          <p:txBody>
+            <a:bodyPr rtlCol="0" anchor="ctr"/>
+            <a:lstStyle/>
+            <a:p>
+              <a:pPr algn="ctr"/>
+              <a:r>
+                <a:rPr lang="ko-KR" altLang="en-US" sz="2000" dirty="0">
+                  <a:solidFill>
+                    <a:srgbClr val="FBE5D6"/>
+                  </a:solidFill>
+                  <a:latin typeface="나눔스퀘어 Bold" panose="020B0600000101010101" pitchFamily="50" charset="-127"/>
+                  <a:ea typeface="나눔스퀘어 Bold" panose="020B0600000101010101" pitchFamily="50" charset="-127"/>
+                </a:rPr>
+                <a:t>연 </a:t>
+              </a:r>
+              <a:r>
+                <a:rPr lang="en-US" altLang="ko-KR" sz="2000" dirty="0">
+                  <a:solidFill>
+                    <a:srgbClr val="FBE5D6"/>
+                  </a:solidFill>
+                  <a:latin typeface="나눔스퀘어 Bold" panose="020B0600000101010101" pitchFamily="50" charset="-127"/>
+                  <a:ea typeface="나눔스퀘어 Bold" panose="020B0600000101010101" pitchFamily="50" charset="-127"/>
+                </a:rPr>
+                <a:t>6% </a:t>
+              </a:r>
+              <a:r>
+                <a:rPr lang="ko-KR" altLang="en-US" sz="2000" dirty="0">
+                  <a:solidFill>
+                    <a:srgbClr val="FBE5D6"/>
+                  </a:solidFill>
+                  <a:latin typeface="나눔스퀘어 Bold" panose="020B0600000101010101" pitchFamily="50" charset="-127"/>
+                  <a:ea typeface="나눔스퀘어 Bold" panose="020B0600000101010101" pitchFamily="50" charset="-127"/>
+                </a:rPr>
+                <a:t>내외 추구</a:t>
+              </a:r>
+              <a:endParaRPr lang="en-US" altLang="ko-KR" sz="2000" dirty="0">
+                <a:solidFill>
+                  <a:srgbClr val="FBE5D6"/>
+                </a:solidFill>
+                <a:latin typeface="나눔스퀘어 Bold" panose="020B0600000101010101" pitchFamily="50" charset="-127"/>
+                <a:ea typeface="나눔스퀘어 Bold" panose="020B0600000101010101" pitchFamily="50" charset="-127"/>
+              </a:endParaRPr>
+            </a:p>
+            <a:p>
+              <a:pPr algn="ctr"/>
+              <a:r>
+                <a:rPr lang="en-US" altLang="ko-KR" sz="1200" dirty="0">
+                  <a:solidFill>
+                    <a:schemeClr val="tx1"/>
+                  </a:solidFill>
+                  <a:latin typeface="나눔스퀘어 Bold" panose="020B0600000101010101" pitchFamily="50" charset="-127"/>
+                  <a:ea typeface="나눔스퀘어 Bold" panose="020B0600000101010101" pitchFamily="50" charset="-127"/>
+                </a:rPr>
+                <a:t>      (</a:t>
+              </a:r>
+              <a:r>
+                <a:rPr lang="ko-KR" altLang="en-US" sz="1200" dirty="0">
+                  <a:solidFill>
+                    <a:schemeClr val="tx1"/>
+                  </a:solidFill>
+                  <a:latin typeface="나눔스퀘어 Bold" panose="020B0600000101010101" pitchFamily="50" charset="-127"/>
+                  <a:ea typeface="나눔스퀘어 Bold" panose="020B0600000101010101" pitchFamily="50" charset="-127"/>
+                </a:rPr>
+                <a:t>과거 수익률</a:t>
+              </a:r>
+              <a:r>
+                <a:rPr lang="en-US" altLang="ko-KR" sz="1200" dirty="0">
+                  <a:solidFill>
+                    <a:schemeClr val="tx1"/>
+                  </a:solidFill>
+                  <a:latin typeface="나눔스퀘어 Bold" panose="020B0600000101010101" pitchFamily="50" charset="-127"/>
+                  <a:ea typeface="나눔스퀘어 Bold" panose="020B0600000101010101" pitchFamily="50" charset="-127"/>
+                </a:rPr>
+                <a:t> </a:t>
+              </a:r>
+              <a:r>
+                <a:rPr lang="ko-KR" altLang="en-US" sz="1200" dirty="0" err="1">
+                  <a:solidFill>
+                    <a:schemeClr val="tx1"/>
+                  </a:solidFill>
+                  <a:latin typeface="나눔스퀘어 Bold" panose="020B0600000101010101" pitchFamily="50" charset="-127"/>
+                  <a:ea typeface="나눔스퀘어 Bold" panose="020B0600000101010101" pitchFamily="50" charset="-127"/>
+                </a:rPr>
+                <a:t>백테스팅</a:t>
+              </a:r>
+              <a:r>
+                <a:rPr lang="ko-KR" altLang="en-US" sz="1200" dirty="0">
+                  <a:solidFill>
+                    <a:schemeClr val="tx1"/>
+                  </a:solidFill>
+                  <a:latin typeface="나눔스퀘어 Bold" panose="020B0600000101010101" pitchFamily="50" charset="-127"/>
+                  <a:ea typeface="나눔스퀘어 Bold" panose="020B0600000101010101" pitchFamily="50" charset="-127"/>
+                </a:rPr>
+                <a:t> 기준</a:t>
+              </a:r>
+              <a:r>
+                <a:rPr lang="en-US" altLang="ko-KR" sz="1200" dirty="0">
+                  <a:solidFill>
+                    <a:schemeClr val="tx1"/>
+                  </a:solidFill>
+                  <a:latin typeface="나눔스퀘어 Bold" panose="020B0600000101010101" pitchFamily="50" charset="-127"/>
+                  <a:ea typeface="나눔스퀘어 Bold" panose="020B0600000101010101" pitchFamily="50" charset="-127"/>
+                </a:rPr>
+                <a:t>)</a:t>
+              </a:r>
+              <a:endParaRPr lang="ko-KR" altLang="en-US" sz="1200" dirty="0">
+                <a:solidFill>
+                  <a:schemeClr val="tx1"/>
+                </a:solidFill>
+                <a:latin typeface="나눔스퀘어 Bold" panose="020B0600000101010101" pitchFamily="50" charset="-127"/>
+                <a:ea typeface="나눔스퀘어 Bold" panose="020B0600000101010101" pitchFamily="50" charset="-127"/>
+              </a:endParaRPr>
+            </a:p>
+          </p:txBody>
+        </p:sp>
+        <p:sp>
+          <p:nvSpPr>
+            <p:cNvPr id="7" name="타원 6">
+              <a:extLst>
+                <a:ext uri="{FF2B5EF4-FFF2-40B4-BE49-F238E27FC236}">
+                  <a16:creationId xmlns:a16="http://schemas.microsoft.com/office/drawing/2014/main" id="{16569A57-A979-4BF1-BA78-2B6834154D37}"/>
+                </a:ext>
+              </a:extLst>
+            </p:cNvPr>
+            <p:cNvSpPr/>
+            <p:nvPr/>
+          </p:nvSpPr>
+          <p:spPr>
+            <a:xfrm>
+              <a:off x="1407560" y="1307387"/>
+              <a:ext cx="1284269" cy="1284269"/>
+            </a:xfrm>
+            <a:prstGeom prst="ellipse">
+              <a:avLst/>
+            </a:prstGeom>
             <a:solidFill>
               <a:schemeClr val="accent2">
                 <a:lumMod val="60000"/>
                 <a:lumOff val="40000"/>
               </a:schemeClr>
             </a:solidFill>
-          </a:ln>
-        </p:spPr>
-        <p:style>
-          <a:lnRef idx="2">
-            <a:schemeClr val="accent1">
-              <a:shade val="50000"/>
-            </a:schemeClr>
-          </a:lnRef>
-          <a:fillRef idx="1">
-            <a:schemeClr val="accent1"/>
-          </a:fillRef>
-          <a:effectRef idx="0">
-            <a:schemeClr val="accent1"/>
-          </a:effectRef>
-          <a:fontRef idx="minor">
-            <a:schemeClr val="lt1"/>
-          </a:fontRef>
-        </p:style>
-        <p:txBody>
-          <a:bodyPr rtlCol="0" anchor="ctr"/>
-          <a:lstStyle/>
-          <a:p>
-            <a:pPr algn="ctr"/>
-            <a:r>
-              <a:rPr lang="ko-KR" altLang="en-US" sz="2000" dirty="0">
+            <a:ln>
+              <a:solidFill>
+                <a:srgbClr val="F4B183"/>
+              </a:solidFill>
+            </a:ln>
+          </p:spPr>
+          <p:style>
+            <a:lnRef idx="2">
+              <a:schemeClr val="accent1">
+                <a:shade val="50000"/>
+              </a:schemeClr>
+            </a:lnRef>
+            <a:fillRef idx="1">
+              <a:schemeClr val="accent1"/>
+            </a:fillRef>
+            <a:effectRef idx="0">
+              <a:schemeClr val="accent1"/>
+            </a:effectRef>
+            <a:fontRef idx="minor">
+              <a:schemeClr val="lt1"/>
+            </a:fontRef>
+          </p:style>
+          <p:txBody>
+            <a:bodyPr rtlCol="0" anchor="ctr"/>
+            <a:lstStyle/>
+            <a:p>
+              <a:pPr algn="ctr"/>
+              <a:r>
+                <a:rPr lang="ko-KR" altLang="en-US" sz="2000" b="1" dirty="0">
+                  <a:latin typeface="나눔스퀘어 Bold" panose="020B0600000101010101" pitchFamily="50" charset="-127"/>
+                  <a:ea typeface="나눔스퀘어 Bold" panose="020B0600000101010101" pitchFamily="50" charset="-127"/>
+                </a:rPr>
+                <a:t>수익성</a:t>
+              </a:r>
+            </a:p>
+          </p:txBody>
+        </p:sp>
+        <p:sp>
+          <p:nvSpPr>
+            <p:cNvPr id="12" name="직사각형 11">
+              <a:extLst>
+                <a:ext uri="{FF2B5EF4-FFF2-40B4-BE49-F238E27FC236}">
+                  <a16:creationId xmlns:a16="http://schemas.microsoft.com/office/drawing/2014/main" id="{6549B991-ED0E-4704-A231-5CA0C4A6BA4E}"/>
+                </a:ext>
+              </a:extLst>
+            </p:cNvPr>
+            <p:cNvSpPr/>
+            <p:nvPr/>
+          </p:nvSpPr>
+          <p:spPr>
+            <a:xfrm>
+              <a:off x="2049690" y="4620802"/>
+              <a:ext cx="3804863" cy="832207"/>
+            </a:xfrm>
+            <a:prstGeom prst="rect">
+              <a:avLst/>
+            </a:prstGeom>
+            <a:solidFill>
+              <a:schemeClr val="accent2">
+                <a:lumMod val="20000"/>
+                <a:lumOff val="80000"/>
+              </a:schemeClr>
+            </a:solidFill>
+            <a:ln>
+              <a:solidFill>
+                <a:schemeClr val="accent2">
+                  <a:lumMod val="60000"/>
+                  <a:lumOff val="40000"/>
+                </a:schemeClr>
+              </a:solidFill>
+            </a:ln>
+          </p:spPr>
+          <p:style>
+            <a:lnRef idx="2">
+              <a:schemeClr val="accent1">
+                <a:shade val="50000"/>
+              </a:schemeClr>
+            </a:lnRef>
+            <a:fillRef idx="1">
+              <a:schemeClr val="accent1"/>
+            </a:fillRef>
+            <a:effectRef idx="0">
+              <a:schemeClr val="accent1"/>
+            </a:effectRef>
+            <a:fontRef idx="minor">
+              <a:schemeClr val="lt1"/>
+            </a:fontRef>
+          </p:style>
+          <p:txBody>
+            <a:bodyPr rtlCol="0" anchor="ctr"/>
+            <a:lstStyle/>
+            <a:p>
+              <a:pPr algn="ctr"/>
+              <a:r>
+                <a:rPr lang="ko-KR" altLang="en-US" sz="2000" dirty="0">
+                  <a:solidFill>
+                    <a:srgbClr val="FBE5D6"/>
+                  </a:solidFill>
+                  <a:latin typeface="나눔스퀘어 Bold" panose="020B0600000101010101" pitchFamily="50" charset="-127"/>
+                  <a:ea typeface="나눔스퀘어 Bold" panose="020B0600000101010101" pitchFamily="50" charset="-127"/>
+                </a:rPr>
+                <a:t>연 </a:t>
+              </a:r>
+              <a:r>
+                <a:rPr lang="en-US" altLang="ko-KR" sz="2000" dirty="0">
+                  <a:solidFill>
+                    <a:srgbClr val="FBE5D6"/>
+                  </a:solidFill>
+                  <a:latin typeface="나눔스퀘어 Bold" panose="020B0600000101010101" pitchFamily="50" charset="-127"/>
+                  <a:ea typeface="나눔스퀘어 Bold" panose="020B0600000101010101" pitchFamily="50" charset="-127"/>
+                </a:rPr>
+                <a:t>6% </a:t>
+              </a:r>
+              <a:r>
+                <a:rPr lang="ko-KR" altLang="en-US" sz="2000" dirty="0">
+                  <a:solidFill>
+                    <a:srgbClr val="FBE5D6"/>
+                  </a:solidFill>
+                  <a:latin typeface="나눔스퀘어 Bold" panose="020B0600000101010101" pitchFamily="50" charset="-127"/>
+                  <a:ea typeface="나눔스퀘어 Bold" panose="020B0600000101010101" pitchFamily="50" charset="-127"/>
+                </a:rPr>
+                <a:t>내외 추구</a:t>
+              </a:r>
+              <a:endParaRPr lang="en-US" altLang="ko-KR" sz="2000" dirty="0">
                 <a:solidFill>
                   <a:srgbClr val="FBE5D6"/>
                 </a:solidFill>
                 <a:latin typeface="나눔스퀘어 Bold" panose="020B0600000101010101" pitchFamily="50" charset="-127"/>
                 <a:ea typeface="나눔스퀘어 Bold" panose="020B0600000101010101" pitchFamily="50" charset="-127"/>
-              </a:rPr>
-              <a:t>연 </a:t>
-            </a:r>
-            <a:r>
-              <a:rPr lang="en-US" altLang="ko-KR" sz="2000" dirty="0">
+              </a:endParaRPr>
+            </a:p>
+            <a:p>
+              <a:pPr algn="ctr"/>
+              <a:r>
+                <a:rPr lang="en-US" altLang="ko-KR" sz="1200" dirty="0">
+                  <a:solidFill>
+                    <a:schemeClr val="tx1"/>
+                  </a:solidFill>
+                  <a:latin typeface="나눔스퀘어 Bold" panose="020B0600000101010101" pitchFamily="50" charset="-127"/>
+                  <a:ea typeface="나눔스퀘어 Bold" panose="020B0600000101010101" pitchFamily="50" charset="-127"/>
+                </a:rPr>
+                <a:t>(</a:t>
+              </a:r>
+              <a:r>
+                <a:rPr lang="ko-KR" altLang="en-US" sz="1200" dirty="0">
+                  <a:solidFill>
+                    <a:schemeClr val="tx1"/>
+                  </a:solidFill>
+                  <a:latin typeface="나눔스퀘어 Bold" panose="020B0600000101010101" pitchFamily="50" charset="-127"/>
+                  <a:ea typeface="나눔스퀘어 Bold" panose="020B0600000101010101" pitchFamily="50" charset="-127"/>
+                </a:rPr>
+                <a:t>투자자 위험 성향 기준</a:t>
+              </a:r>
+              <a:r>
+                <a:rPr lang="en-US" altLang="ko-KR" sz="1200" dirty="0">
+                  <a:solidFill>
+                    <a:schemeClr val="tx1"/>
+                  </a:solidFill>
+                  <a:latin typeface="나눔스퀘어 Bold" panose="020B0600000101010101" pitchFamily="50" charset="-127"/>
+                  <a:ea typeface="나눔스퀘어 Bold" panose="020B0600000101010101" pitchFamily="50" charset="-127"/>
+                </a:rPr>
+                <a:t>)</a:t>
+              </a:r>
+              <a:r>
+                <a:rPr lang="en-US" altLang="ko-KR" sz="1200" dirty="0">
+                  <a:solidFill>
+                    <a:srgbClr val="FBE5D6"/>
+                  </a:solidFill>
+                  <a:latin typeface="나눔스퀘어 Bold" panose="020B0600000101010101" pitchFamily="50" charset="-127"/>
+                  <a:ea typeface="나눔스퀘어 Bold" panose="020B0600000101010101" pitchFamily="50" charset="-127"/>
+                </a:rPr>
+                <a:t>)</a:t>
+              </a:r>
+              <a:endParaRPr lang="ko-KR" altLang="en-US" sz="1200" dirty="0">
                 <a:solidFill>
                   <a:srgbClr val="FBE5D6"/>
                 </a:solidFill>
                 <a:latin typeface="나눔스퀘어 Bold" panose="020B0600000101010101" pitchFamily="50" charset="-127"/>
                 <a:ea typeface="나눔스퀘어 Bold" panose="020B0600000101010101" pitchFamily="50" charset="-127"/>
-              </a:rPr>
-              <a:t>6% </a:t>
-            </a:r>
-            <a:r>
-              <a:rPr lang="ko-KR" altLang="en-US" sz="2000" dirty="0">
-                <a:solidFill>
-                  <a:srgbClr val="FBE5D6"/>
-                </a:solidFill>
-                <a:latin typeface="나눔스퀘어 Bold" panose="020B0600000101010101" pitchFamily="50" charset="-127"/>
-                <a:ea typeface="나눔스퀘어 Bold" panose="020B0600000101010101" pitchFamily="50" charset="-127"/>
-              </a:rPr>
-              <a:t>내외 추구</a:t>
-            </a:r>
-            <a:endParaRPr lang="en-US" altLang="ko-KR" sz="2000" dirty="0">
-              <a:solidFill>
-                <a:srgbClr val="FBE5D6"/>
-              </a:solidFill>
-              <a:latin typeface="나눔스퀘어 Bold" panose="020B0600000101010101" pitchFamily="50" charset="-127"/>
-              <a:ea typeface="나눔스퀘어 Bold" panose="020B0600000101010101" pitchFamily="50" charset="-127"/>
-            </a:endParaRPr>
-          </a:p>
-          <a:p>
-            <a:pPr algn="ctr"/>
-            <a:r>
-              <a:rPr lang="en-US" altLang="ko-KR" sz="1200" dirty="0">
-                <a:solidFill>
-                  <a:schemeClr val="tx1"/>
-                </a:solidFill>
-                <a:latin typeface="나눔스퀘어 Bold" panose="020B0600000101010101" pitchFamily="50" charset="-127"/>
-                <a:ea typeface="나눔스퀘어 Bold" panose="020B0600000101010101" pitchFamily="50" charset="-127"/>
-              </a:rPr>
-              <a:t>(</a:t>
-            </a:r>
-            <a:r>
-              <a:rPr lang="ko-KR" altLang="en-US" sz="1200" dirty="0">
-                <a:solidFill>
-                  <a:schemeClr val="tx1"/>
-                </a:solidFill>
-                <a:latin typeface="나눔스퀘어 Bold" panose="020B0600000101010101" pitchFamily="50" charset="-127"/>
-                <a:ea typeface="나눔스퀘어 Bold" panose="020B0600000101010101" pitchFamily="50" charset="-127"/>
-              </a:rPr>
-              <a:t>과거 수익률</a:t>
-            </a:r>
-            <a:r>
-              <a:rPr lang="en-US" altLang="ko-KR" sz="1200" dirty="0">
-                <a:solidFill>
-                  <a:schemeClr val="tx1"/>
-                </a:solidFill>
-                <a:latin typeface="나눔스퀘어 Bold" panose="020B0600000101010101" pitchFamily="50" charset="-127"/>
-                <a:ea typeface="나눔스퀘어 Bold" panose="020B0600000101010101" pitchFamily="50" charset="-127"/>
-              </a:rPr>
-              <a:t> </a:t>
-            </a:r>
-            <a:r>
-              <a:rPr lang="ko-KR" altLang="en-US" sz="1200" dirty="0" err="1">
-                <a:solidFill>
-                  <a:schemeClr val="tx1"/>
-                </a:solidFill>
-                <a:latin typeface="나눔스퀘어 Bold" panose="020B0600000101010101" pitchFamily="50" charset="-127"/>
-                <a:ea typeface="나눔스퀘어 Bold" panose="020B0600000101010101" pitchFamily="50" charset="-127"/>
-              </a:rPr>
-              <a:t>백테스팅</a:t>
-            </a:r>
-            <a:r>
-              <a:rPr lang="ko-KR" altLang="en-US" sz="1200" dirty="0">
-                <a:solidFill>
-                  <a:schemeClr val="tx1"/>
-                </a:solidFill>
-                <a:latin typeface="나눔스퀘어 Bold" panose="020B0600000101010101" pitchFamily="50" charset="-127"/>
-                <a:ea typeface="나눔스퀘어 Bold" panose="020B0600000101010101" pitchFamily="50" charset="-127"/>
-              </a:rPr>
-              <a:t> 기준</a:t>
-            </a:r>
-            <a:r>
-              <a:rPr lang="en-US" altLang="ko-KR" sz="1200" dirty="0">
-                <a:solidFill>
-                  <a:schemeClr val="tx1"/>
-                </a:solidFill>
-                <a:latin typeface="나눔스퀘어 Bold" panose="020B0600000101010101" pitchFamily="50" charset="-127"/>
-                <a:ea typeface="나눔스퀘어 Bold" panose="020B0600000101010101" pitchFamily="50" charset="-127"/>
-              </a:rPr>
-              <a:t>)</a:t>
-            </a:r>
-            <a:endParaRPr lang="ko-KR" altLang="en-US" sz="1200" dirty="0">
-              <a:solidFill>
-                <a:schemeClr val="tx1"/>
-              </a:solidFill>
-              <a:latin typeface="나눔스퀘어 Bold" panose="020B0600000101010101" pitchFamily="50" charset="-127"/>
-              <a:ea typeface="나눔스퀘어 Bold" panose="020B0600000101010101" pitchFamily="50" charset="-127"/>
-            </a:endParaRPr>
-          </a:p>
-        </p:txBody>
-      </p:sp>
-      <p:sp>
-        <p:nvSpPr>
-          <p:cNvPr id="7" name="타원 6">
-            <a:extLst>
-              <a:ext uri="{FF2B5EF4-FFF2-40B4-BE49-F238E27FC236}">
-                <a16:creationId xmlns:a16="http://schemas.microsoft.com/office/drawing/2014/main" id="{16569A57-A979-4BF1-BA78-2B6834154D37}"/>
-              </a:ext>
-            </a:extLst>
-          </p:cNvPr>
-          <p:cNvSpPr/>
-          <p:nvPr/>
-        </p:nvSpPr>
-        <p:spPr>
-          <a:xfrm>
-            <a:off x="1407560" y="1307387"/>
-            <a:ext cx="1284269" cy="1284269"/>
-          </a:xfrm>
-          <a:prstGeom prst="ellipse">
-            <a:avLst/>
-          </a:prstGeom>
-          <a:solidFill>
-            <a:schemeClr val="accent2">
-              <a:lumMod val="60000"/>
-              <a:lumOff val="40000"/>
-            </a:schemeClr>
-          </a:solidFill>
-          <a:ln>
-            <a:solidFill>
-              <a:srgbClr val="F4B183"/>
-            </a:solidFill>
-          </a:ln>
-        </p:spPr>
-        <p:style>
-          <a:lnRef idx="2">
-            <a:schemeClr val="accent1">
-              <a:shade val="50000"/>
-            </a:schemeClr>
-          </a:lnRef>
-          <a:fillRef idx="1">
-            <a:schemeClr val="accent1"/>
-          </a:fillRef>
-          <a:effectRef idx="0">
-            <a:schemeClr val="accent1"/>
-          </a:effectRef>
-          <a:fontRef idx="minor">
-            <a:schemeClr val="lt1"/>
-          </a:fontRef>
-        </p:style>
-        <p:txBody>
-          <a:bodyPr rtlCol="0" anchor="ctr"/>
-          <a:lstStyle/>
-          <a:p>
-            <a:pPr algn="ctr"/>
-            <a:r>
-              <a:rPr lang="ko-KR" altLang="en-US" sz="2000" b="1" dirty="0">
-                <a:latin typeface="나눔스퀘어 Bold" panose="020B0600000101010101" pitchFamily="50" charset="-127"/>
-                <a:ea typeface="나눔스퀘어 Bold" panose="020B0600000101010101" pitchFamily="50" charset="-127"/>
-              </a:rPr>
-              <a:t>수익성</a:t>
-            </a:r>
-          </a:p>
-        </p:txBody>
-      </p:sp>
-      <p:sp>
-        <p:nvSpPr>
-          <p:cNvPr id="12" name="직사각형 11">
-            <a:extLst>
-              <a:ext uri="{FF2B5EF4-FFF2-40B4-BE49-F238E27FC236}">
-                <a16:creationId xmlns:a16="http://schemas.microsoft.com/office/drawing/2014/main" id="{6549B991-ED0E-4704-A231-5CA0C4A6BA4E}"/>
-              </a:ext>
-            </a:extLst>
-          </p:cNvPr>
-          <p:cNvSpPr/>
-          <p:nvPr/>
-        </p:nvSpPr>
-        <p:spPr>
-          <a:xfrm>
-            <a:off x="2049690" y="4620802"/>
-            <a:ext cx="3804863" cy="832207"/>
-          </a:xfrm>
-          <a:prstGeom prst="rect">
-            <a:avLst/>
-          </a:prstGeom>
-          <a:solidFill>
-            <a:schemeClr val="accent2">
-              <a:lumMod val="20000"/>
-              <a:lumOff val="80000"/>
-            </a:schemeClr>
-          </a:solidFill>
-          <a:ln>
+              </a:endParaRPr>
+            </a:p>
+          </p:txBody>
+        </p:sp>
+        <p:sp>
+          <p:nvSpPr>
+            <p:cNvPr id="8" name="타원 7">
+              <a:extLst>
+                <a:ext uri="{FF2B5EF4-FFF2-40B4-BE49-F238E27FC236}">
+                  <a16:creationId xmlns:a16="http://schemas.microsoft.com/office/drawing/2014/main" id="{E1D372BB-13A2-4202-88D5-95764C41DF2B}"/>
+                </a:ext>
+              </a:extLst>
+            </p:cNvPr>
+            <p:cNvSpPr/>
+            <p:nvPr/>
+          </p:nvSpPr>
+          <p:spPr>
+            <a:xfrm>
+              <a:off x="1407558" y="4394771"/>
+              <a:ext cx="1284269" cy="1284269"/>
+            </a:xfrm>
+            <a:prstGeom prst="ellipse">
+              <a:avLst/>
+            </a:prstGeom>
             <a:solidFill>
               <a:schemeClr val="accent2">
                 <a:lumMod val="60000"/>
                 <a:lumOff val="40000"/>
               </a:schemeClr>
             </a:solidFill>
-          </a:ln>
-        </p:spPr>
-        <p:style>
-          <a:lnRef idx="2">
-            <a:schemeClr val="accent1">
-              <a:shade val="50000"/>
-            </a:schemeClr>
-          </a:lnRef>
-          <a:fillRef idx="1">
-            <a:schemeClr val="accent1"/>
-          </a:fillRef>
-          <a:effectRef idx="0">
-            <a:schemeClr val="accent1"/>
-          </a:effectRef>
-          <a:fontRef idx="minor">
-            <a:schemeClr val="lt1"/>
-          </a:fontRef>
-        </p:style>
-        <p:txBody>
-          <a:bodyPr rtlCol="0" anchor="ctr"/>
-          <a:lstStyle/>
-          <a:p>
-            <a:pPr algn="ctr"/>
-            <a:r>
-              <a:rPr lang="ko-KR" altLang="en-US" sz="2000" dirty="0">
+            <a:ln>
+              <a:solidFill>
+                <a:srgbClr val="F4B183"/>
+              </a:solidFill>
+            </a:ln>
+          </p:spPr>
+          <p:style>
+            <a:lnRef idx="2">
+              <a:schemeClr val="accent1">
+                <a:shade val="50000"/>
+              </a:schemeClr>
+            </a:lnRef>
+            <a:fillRef idx="1">
+              <a:schemeClr val="accent1"/>
+            </a:fillRef>
+            <a:effectRef idx="0">
+              <a:schemeClr val="accent1"/>
+            </a:effectRef>
+            <a:fontRef idx="minor">
+              <a:schemeClr val="lt1"/>
+            </a:fontRef>
+          </p:style>
+          <p:txBody>
+            <a:bodyPr rtlCol="0" anchor="ctr"/>
+            <a:lstStyle/>
+            <a:p>
+              <a:pPr algn="ctr"/>
+              <a:r>
+                <a:rPr lang="ko-KR" altLang="en-US" sz="2000" b="1" dirty="0">
+                  <a:latin typeface="나눔스퀘어 Bold" panose="020B0600000101010101" pitchFamily="50" charset="-127"/>
+                  <a:ea typeface="나눔스퀘어 Bold" panose="020B0600000101010101" pitchFamily="50" charset="-127"/>
+                </a:rPr>
+                <a:t>비중</a:t>
+              </a:r>
+            </a:p>
+          </p:txBody>
+        </p:sp>
+        <p:sp>
+          <p:nvSpPr>
+            <p:cNvPr id="11" name="직사각형 10">
+              <a:extLst>
+                <a:ext uri="{FF2B5EF4-FFF2-40B4-BE49-F238E27FC236}">
+                  <a16:creationId xmlns:a16="http://schemas.microsoft.com/office/drawing/2014/main" id="{050893A2-6776-49D0-938A-1D1FC5551F67}"/>
+                </a:ext>
+              </a:extLst>
+            </p:cNvPr>
+            <p:cNvSpPr/>
+            <p:nvPr/>
+          </p:nvSpPr>
+          <p:spPr>
+            <a:xfrm>
+              <a:off x="2049691" y="3077110"/>
+              <a:ext cx="3804863" cy="832207"/>
+            </a:xfrm>
+            <a:prstGeom prst="rect">
+              <a:avLst/>
+            </a:prstGeom>
+            <a:solidFill>
+              <a:schemeClr val="accent2">
+                <a:lumMod val="20000"/>
+                <a:lumOff val="80000"/>
+              </a:schemeClr>
+            </a:solidFill>
+            <a:ln>
+              <a:solidFill>
+                <a:schemeClr val="accent2">
+                  <a:lumMod val="60000"/>
+                  <a:lumOff val="40000"/>
+                </a:schemeClr>
+              </a:solidFill>
+            </a:ln>
+          </p:spPr>
+          <p:style>
+            <a:lnRef idx="2">
+              <a:schemeClr val="accent1">
+                <a:shade val="50000"/>
+              </a:schemeClr>
+            </a:lnRef>
+            <a:fillRef idx="1">
+              <a:schemeClr val="accent1"/>
+            </a:fillRef>
+            <a:effectRef idx="0">
+              <a:schemeClr val="accent1"/>
+            </a:effectRef>
+            <a:fontRef idx="minor">
+              <a:schemeClr val="lt1"/>
+            </a:fontRef>
+          </p:style>
+          <p:txBody>
+            <a:bodyPr rtlCol="0" anchor="ctr"/>
+            <a:lstStyle/>
+            <a:p>
+              <a:pPr algn="ctr"/>
+              <a:r>
+                <a:rPr lang="ko-KR" altLang="en-US" sz="2000" dirty="0">
+                  <a:solidFill>
+                    <a:srgbClr val="FBE5D6"/>
+                  </a:solidFill>
+                  <a:latin typeface="나눔스퀘어 Bold" panose="020B0600000101010101" pitchFamily="50" charset="-127"/>
+                  <a:ea typeface="나눔스퀘어 Bold" panose="020B0600000101010101" pitchFamily="50" charset="-127"/>
+                </a:rPr>
+                <a:t>연 </a:t>
+              </a:r>
+              <a:r>
+                <a:rPr lang="en-US" altLang="ko-KR" sz="2000" dirty="0">
+                  <a:solidFill>
+                    <a:srgbClr val="FBE5D6"/>
+                  </a:solidFill>
+                  <a:latin typeface="나눔스퀘어 Bold" panose="020B0600000101010101" pitchFamily="50" charset="-127"/>
+                  <a:ea typeface="나눔스퀘어 Bold" panose="020B0600000101010101" pitchFamily="50" charset="-127"/>
+                </a:rPr>
+                <a:t>6% </a:t>
+              </a:r>
+              <a:r>
+                <a:rPr lang="ko-KR" altLang="en-US" sz="2000" dirty="0">
+                  <a:solidFill>
+                    <a:srgbClr val="FBE5D6"/>
+                  </a:solidFill>
+                  <a:latin typeface="나눔스퀘어 Bold" panose="020B0600000101010101" pitchFamily="50" charset="-127"/>
+                  <a:ea typeface="나눔스퀘어 Bold" panose="020B0600000101010101" pitchFamily="50" charset="-127"/>
+                </a:rPr>
+                <a:t>내외 추구</a:t>
+              </a:r>
+              <a:endParaRPr lang="en-US" altLang="ko-KR" sz="2000" dirty="0">
                 <a:solidFill>
                   <a:srgbClr val="FBE5D6"/>
                 </a:solidFill>
                 <a:latin typeface="나눔스퀘어 Bold" panose="020B0600000101010101" pitchFamily="50" charset="-127"/>
                 <a:ea typeface="나눔스퀘어 Bold" panose="020B0600000101010101" pitchFamily="50" charset="-127"/>
-              </a:rPr>
-              <a:t>연 </a:t>
-            </a:r>
-            <a:r>
-              <a:rPr lang="en-US" altLang="ko-KR" sz="2000" dirty="0">
-                <a:solidFill>
-                  <a:srgbClr val="FBE5D6"/>
-                </a:solidFill>
-                <a:latin typeface="나눔스퀘어 Bold" panose="020B0600000101010101" pitchFamily="50" charset="-127"/>
-                <a:ea typeface="나눔스퀘어 Bold" panose="020B0600000101010101" pitchFamily="50" charset="-127"/>
-              </a:rPr>
-              <a:t>6% </a:t>
-            </a:r>
-            <a:r>
-              <a:rPr lang="ko-KR" altLang="en-US" sz="2000" dirty="0">
-                <a:solidFill>
-                  <a:srgbClr val="FBE5D6"/>
-                </a:solidFill>
-                <a:latin typeface="나눔스퀘어 Bold" panose="020B0600000101010101" pitchFamily="50" charset="-127"/>
-                <a:ea typeface="나눔스퀘어 Bold" panose="020B0600000101010101" pitchFamily="50" charset="-127"/>
-              </a:rPr>
-              <a:t>내외 추구</a:t>
-            </a:r>
-            <a:endParaRPr lang="en-US" altLang="ko-KR" sz="2000" dirty="0">
-              <a:solidFill>
-                <a:srgbClr val="FBE5D6"/>
-              </a:solidFill>
-              <a:latin typeface="나눔스퀘어 Bold" panose="020B0600000101010101" pitchFamily="50" charset="-127"/>
-              <a:ea typeface="나눔스퀘어 Bold" panose="020B0600000101010101" pitchFamily="50" charset="-127"/>
-            </a:endParaRPr>
-          </a:p>
-          <a:p>
-            <a:pPr algn="ctr"/>
-            <a:r>
-              <a:rPr lang="en-US" altLang="ko-KR" sz="1200" dirty="0">
+              </a:endParaRPr>
+            </a:p>
+            <a:p>
+              <a:pPr algn="ctr"/>
+              <a:r>
+                <a:rPr lang="en-US" altLang="ko-KR" sz="1200" dirty="0">
+                  <a:solidFill>
+                    <a:schemeClr val="tx1"/>
+                  </a:solidFill>
+                  <a:latin typeface="나눔스퀘어 Bold" panose="020B0600000101010101" pitchFamily="50" charset="-127"/>
+                  <a:ea typeface="나눔스퀘어 Bold" panose="020B0600000101010101" pitchFamily="50" charset="-127"/>
+                </a:rPr>
+                <a:t>              (</a:t>
+              </a:r>
+              <a:r>
+                <a:rPr lang="ko-KR" altLang="en-US" sz="1200" dirty="0">
+                  <a:solidFill>
+                    <a:schemeClr val="tx1"/>
+                  </a:solidFill>
+                  <a:latin typeface="나눔스퀘어 Bold" panose="020B0600000101010101" pitchFamily="50" charset="-127"/>
+                  <a:ea typeface="나눔스퀘어 Bold" panose="020B0600000101010101" pitchFamily="50" charset="-127"/>
+                </a:rPr>
+                <a:t>위험률만큼 원금을 잃을 수 있음</a:t>
+              </a:r>
+              <a:r>
+                <a:rPr lang="en-US" altLang="ko-KR" sz="1200" dirty="0">
+                  <a:solidFill>
+                    <a:schemeClr val="tx1"/>
+                  </a:solidFill>
+                  <a:latin typeface="나눔스퀘어 Bold" panose="020B0600000101010101" pitchFamily="50" charset="-127"/>
+                  <a:ea typeface="나눔스퀘어 Bold" panose="020B0600000101010101" pitchFamily="50" charset="-127"/>
+                </a:rPr>
+                <a:t>)</a:t>
+              </a:r>
+              <a:endParaRPr lang="ko-KR" altLang="en-US" sz="1200" dirty="0">
                 <a:solidFill>
                   <a:schemeClr val="tx1"/>
                 </a:solidFill>
                 <a:latin typeface="나눔스퀘어 Bold" panose="020B0600000101010101" pitchFamily="50" charset="-127"/>
                 <a:ea typeface="나눔스퀘어 Bold" panose="020B0600000101010101" pitchFamily="50" charset="-127"/>
-              </a:rPr>
-              <a:t>(</a:t>
-            </a:r>
-            <a:r>
-              <a:rPr lang="ko-KR" altLang="en-US" sz="1200" dirty="0">
-                <a:solidFill>
-                  <a:schemeClr val="tx1"/>
-                </a:solidFill>
-                <a:latin typeface="나눔스퀘어 Bold" panose="020B0600000101010101" pitchFamily="50" charset="-127"/>
-                <a:ea typeface="나눔스퀘어 Bold" panose="020B0600000101010101" pitchFamily="50" charset="-127"/>
-              </a:rPr>
-              <a:t>투자자 위험 성향 기준</a:t>
-            </a:r>
-            <a:r>
-              <a:rPr lang="en-US" altLang="ko-KR" sz="1200" dirty="0">
-                <a:solidFill>
-                  <a:schemeClr val="tx1"/>
-                </a:solidFill>
-                <a:latin typeface="나눔스퀘어 Bold" panose="020B0600000101010101" pitchFamily="50" charset="-127"/>
-                <a:ea typeface="나눔스퀘어 Bold" panose="020B0600000101010101" pitchFamily="50" charset="-127"/>
-              </a:rPr>
-              <a:t>)</a:t>
-            </a:r>
-            <a:endParaRPr lang="ko-KR" altLang="en-US" sz="1200" dirty="0">
-              <a:solidFill>
-                <a:schemeClr val="tx1"/>
-              </a:solidFill>
-              <a:latin typeface="나눔스퀘어 Bold" panose="020B0600000101010101" pitchFamily="50" charset="-127"/>
-              <a:ea typeface="나눔스퀘어 Bold" panose="020B0600000101010101" pitchFamily="50" charset="-127"/>
-            </a:endParaRPr>
-          </a:p>
-        </p:txBody>
-      </p:sp>
-      <p:sp>
-        <p:nvSpPr>
-          <p:cNvPr id="8" name="타원 7">
-            <a:extLst>
-              <a:ext uri="{FF2B5EF4-FFF2-40B4-BE49-F238E27FC236}">
-                <a16:creationId xmlns:a16="http://schemas.microsoft.com/office/drawing/2014/main" id="{E1D372BB-13A2-4202-88D5-95764C41DF2B}"/>
-              </a:ext>
-            </a:extLst>
-          </p:cNvPr>
-          <p:cNvSpPr/>
-          <p:nvPr/>
-        </p:nvSpPr>
-        <p:spPr>
-          <a:xfrm>
-            <a:off x="1407558" y="4394771"/>
-            <a:ext cx="1284269" cy="1284269"/>
-          </a:xfrm>
-          <a:prstGeom prst="ellipse">
-            <a:avLst/>
-          </a:prstGeom>
-          <a:solidFill>
-            <a:schemeClr val="accent2">
-              <a:lumMod val="60000"/>
-              <a:lumOff val="40000"/>
-            </a:schemeClr>
-          </a:solidFill>
-          <a:ln>
-            <a:solidFill>
-              <a:srgbClr val="F4B183"/>
-            </a:solidFill>
-          </a:ln>
-        </p:spPr>
-        <p:style>
-          <a:lnRef idx="2">
-            <a:schemeClr val="accent1">
-              <a:shade val="50000"/>
-            </a:schemeClr>
-          </a:lnRef>
-          <a:fillRef idx="1">
-            <a:schemeClr val="accent1"/>
-          </a:fillRef>
-          <a:effectRef idx="0">
-            <a:schemeClr val="accent1"/>
-          </a:effectRef>
-          <a:fontRef idx="minor">
-            <a:schemeClr val="lt1"/>
-          </a:fontRef>
-        </p:style>
-        <p:txBody>
-          <a:bodyPr rtlCol="0" anchor="ctr"/>
-          <a:lstStyle/>
-          <a:p>
-            <a:pPr algn="ctr"/>
-            <a:r>
-              <a:rPr lang="ko-KR" altLang="en-US" sz="2000" b="1" dirty="0">
-                <a:latin typeface="나눔스퀘어 Bold" panose="020B0600000101010101" pitchFamily="50" charset="-127"/>
-                <a:ea typeface="나눔스퀘어 Bold" panose="020B0600000101010101" pitchFamily="50" charset="-127"/>
-              </a:rPr>
-              <a:t>비중</a:t>
-            </a:r>
-          </a:p>
-        </p:txBody>
-      </p:sp>
-      <p:sp>
-        <p:nvSpPr>
-          <p:cNvPr id="11" name="직사각형 10">
-            <a:extLst>
-              <a:ext uri="{FF2B5EF4-FFF2-40B4-BE49-F238E27FC236}">
-                <a16:creationId xmlns:a16="http://schemas.microsoft.com/office/drawing/2014/main" id="{050893A2-6776-49D0-938A-1D1FC5551F67}"/>
-              </a:ext>
-            </a:extLst>
-          </p:cNvPr>
-          <p:cNvSpPr/>
-          <p:nvPr/>
-        </p:nvSpPr>
-        <p:spPr>
-          <a:xfrm>
-            <a:off x="2049691" y="3077110"/>
-            <a:ext cx="3804863" cy="832207"/>
-          </a:xfrm>
-          <a:prstGeom prst="rect">
-            <a:avLst/>
-          </a:prstGeom>
-          <a:solidFill>
-            <a:schemeClr val="accent2">
-              <a:lumMod val="20000"/>
-              <a:lumOff val="80000"/>
-            </a:schemeClr>
-          </a:solidFill>
-          <a:ln>
+              </a:endParaRPr>
+            </a:p>
+          </p:txBody>
+        </p:sp>
+        <p:sp>
+          <p:nvSpPr>
+            <p:cNvPr id="9" name="타원 8">
+              <a:extLst>
+                <a:ext uri="{FF2B5EF4-FFF2-40B4-BE49-F238E27FC236}">
+                  <a16:creationId xmlns:a16="http://schemas.microsoft.com/office/drawing/2014/main" id="{F6ACD6DE-AF68-48F4-AA88-B41997761373}"/>
+                </a:ext>
+              </a:extLst>
+            </p:cNvPr>
+            <p:cNvSpPr/>
+            <p:nvPr/>
+          </p:nvSpPr>
+          <p:spPr>
+            <a:xfrm>
+              <a:off x="1407558" y="2851079"/>
+              <a:ext cx="1284269" cy="1284269"/>
+            </a:xfrm>
+            <a:prstGeom prst="ellipse">
+              <a:avLst/>
+            </a:prstGeom>
             <a:solidFill>
               <a:schemeClr val="accent2">
                 <a:lumMod val="60000"/>
                 <a:lumOff val="40000"/>
               </a:schemeClr>
             </a:solidFill>
-          </a:ln>
-        </p:spPr>
-        <p:style>
-          <a:lnRef idx="2">
-            <a:schemeClr val="accent1">
-              <a:shade val="50000"/>
-            </a:schemeClr>
-          </a:lnRef>
-          <a:fillRef idx="1">
-            <a:schemeClr val="accent1"/>
-          </a:fillRef>
-          <a:effectRef idx="0">
-            <a:schemeClr val="accent1"/>
-          </a:effectRef>
-          <a:fontRef idx="minor">
-            <a:schemeClr val="lt1"/>
-          </a:fontRef>
-        </p:style>
-        <p:txBody>
-          <a:bodyPr rtlCol="0" anchor="ctr"/>
-          <a:lstStyle/>
-          <a:p>
-            <a:pPr algn="ctr"/>
-            <a:r>
-              <a:rPr lang="ko-KR" altLang="en-US" sz="2000" dirty="0">
-                <a:solidFill>
-                  <a:srgbClr val="FBE5D6"/>
-                </a:solidFill>
+            <a:ln>
+              <a:solidFill>
+                <a:srgbClr val="F4B183"/>
+              </a:solidFill>
+            </a:ln>
+          </p:spPr>
+          <p:style>
+            <a:lnRef idx="2">
+              <a:schemeClr val="accent1">
+                <a:shade val="50000"/>
+              </a:schemeClr>
+            </a:lnRef>
+            <a:fillRef idx="1">
+              <a:schemeClr val="accent1"/>
+            </a:fillRef>
+            <a:effectRef idx="0">
+              <a:schemeClr val="accent1"/>
+            </a:effectRef>
+            <a:fontRef idx="minor">
+              <a:schemeClr val="lt1"/>
+            </a:fontRef>
+          </p:style>
+          <p:txBody>
+            <a:bodyPr rtlCol="0" anchor="ctr"/>
+            <a:lstStyle/>
+            <a:p>
+              <a:pPr algn="ctr"/>
+              <a:r>
+                <a:rPr lang="ko-KR" altLang="en-US" sz="2000" b="1" dirty="0">
+                  <a:latin typeface="나눔스퀘어 Bold" panose="020B0600000101010101" pitchFamily="50" charset="-127"/>
+                  <a:ea typeface="나눔스퀘어 Bold" panose="020B0600000101010101" pitchFamily="50" charset="-127"/>
+                </a:rPr>
+                <a:t>안정성</a:t>
+              </a:r>
+              <a:endParaRPr lang="ko-KR" altLang="en-US" b="1" dirty="0">
                 <a:latin typeface="나눔스퀘어 Bold" panose="020B0600000101010101" pitchFamily="50" charset="-127"/>
                 <a:ea typeface="나눔스퀘어 Bold" panose="020B0600000101010101" pitchFamily="50" charset="-127"/>
-              </a:rPr>
-              <a:t>연 </a:t>
-            </a:r>
-            <a:r>
-              <a:rPr lang="en-US" altLang="ko-KR" sz="2000" dirty="0">
-                <a:solidFill>
-                  <a:srgbClr val="FBE5D6"/>
-                </a:solidFill>
-                <a:latin typeface="나눔스퀘어 Bold" panose="020B0600000101010101" pitchFamily="50" charset="-127"/>
-                <a:ea typeface="나눔스퀘어 Bold" panose="020B0600000101010101" pitchFamily="50" charset="-127"/>
-              </a:rPr>
-              <a:t>6% </a:t>
-            </a:r>
-            <a:r>
-              <a:rPr lang="ko-KR" altLang="en-US" sz="2000" dirty="0">
-                <a:solidFill>
-                  <a:srgbClr val="FBE5D6"/>
-                </a:solidFill>
-                <a:latin typeface="나눔스퀘어 Bold" panose="020B0600000101010101" pitchFamily="50" charset="-127"/>
-                <a:ea typeface="나눔스퀘어 Bold" panose="020B0600000101010101" pitchFamily="50" charset="-127"/>
-              </a:rPr>
-              <a:t>내외 추구</a:t>
-            </a:r>
-            <a:endParaRPr lang="en-US" altLang="ko-KR" sz="2000" dirty="0">
-              <a:solidFill>
-                <a:srgbClr val="FBE5D6"/>
-              </a:solidFill>
-              <a:latin typeface="나눔스퀘어 Bold" panose="020B0600000101010101" pitchFamily="50" charset="-127"/>
-              <a:ea typeface="나눔스퀘어 Bold" panose="020B0600000101010101" pitchFamily="50" charset="-127"/>
-            </a:endParaRPr>
-          </a:p>
-          <a:p>
-            <a:pPr algn="ctr"/>
-            <a:r>
-              <a:rPr lang="en-US" altLang="ko-KR" sz="1200" dirty="0">
-                <a:solidFill>
-                  <a:schemeClr val="tx1"/>
-                </a:solidFill>
-                <a:latin typeface="나눔스퀘어 Bold" panose="020B0600000101010101" pitchFamily="50" charset="-127"/>
-                <a:ea typeface="나눔스퀘어 Bold" panose="020B0600000101010101" pitchFamily="50" charset="-127"/>
-              </a:rPr>
-              <a:t>(Maximum Draw Down </a:t>
-            </a:r>
-            <a:r>
-              <a:rPr lang="ko-KR" altLang="en-US" sz="1200" dirty="0">
-                <a:solidFill>
-                  <a:schemeClr val="tx1"/>
-                </a:solidFill>
-                <a:latin typeface="나눔스퀘어 Bold" panose="020B0600000101010101" pitchFamily="50" charset="-127"/>
-                <a:ea typeface="나눔스퀘어 Bold" panose="020B0600000101010101" pitchFamily="50" charset="-127"/>
-              </a:rPr>
-              <a:t>기준</a:t>
-            </a:r>
-            <a:r>
-              <a:rPr lang="en-US" altLang="ko-KR" sz="1200" dirty="0">
-                <a:solidFill>
-                  <a:schemeClr val="tx1"/>
-                </a:solidFill>
-                <a:latin typeface="나눔스퀘어 Bold" panose="020B0600000101010101" pitchFamily="50" charset="-127"/>
-                <a:ea typeface="나눔스퀘어 Bold" panose="020B0600000101010101" pitchFamily="50" charset="-127"/>
-              </a:rPr>
-              <a:t>)</a:t>
-            </a:r>
-            <a:endParaRPr lang="ko-KR" altLang="en-US" sz="1200" dirty="0">
-              <a:solidFill>
-                <a:schemeClr val="tx1"/>
-              </a:solidFill>
-              <a:latin typeface="나눔스퀘어 Bold" panose="020B0600000101010101" pitchFamily="50" charset="-127"/>
-              <a:ea typeface="나눔스퀘어 Bold" panose="020B0600000101010101" pitchFamily="50" charset="-127"/>
-            </a:endParaRPr>
-          </a:p>
-        </p:txBody>
-      </p:sp>
-      <p:sp>
-        <p:nvSpPr>
-          <p:cNvPr id="9" name="타원 8">
-            <a:extLst>
-              <a:ext uri="{FF2B5EF4-FFF2-40B4-BE49-F238E27FC236}">
-                <a16:creationId xmlns:a16="http://schemas.microsoft.com/office/drawing/2014/main" id="{F6ACD6DE-AF68-48F4-AA88-B41997761373}"/>
-              </a:ext>
-            </a:extLst>
-          </p:cNvPr>
-          <p:cNvSpPr/>
-          <p:nvPr/>
-        </p:nvSpPr>
-        <p:spPr>
-          <a:xfrm>
-            <a:off x="1407558" y="2851079"/>
-            <a:ext cx="1284269" cy="1284269"/>
-          </a:xfrm>
-          <a:prstGeom prst="ellipse">
-            <a:avLst/>
-          </a:prstGeom>
-          <a:solidFill>
-            <a:schemeClr val="accent2">
-              <a:lumMod val="60000"/>
-              <a:lumOff val="40000"/>
-            </a:schemeClr>
-          </a:solidFill>
-          <a:ln>
-            <a:solidFill>
-              <a:srgbClr val="F4B183"/>
-            </a:solidFill>
-          </a:ln>
-        </p:spPr>
-        <p:style>
-          <a:lnRef idx="2">
-            <a:schemeClr val="accent1">
-              <a:shade val="50000"/>
-            </a:schemeClr>
-          </a:lnRef>
-          <a:fillRef idx="1">
-            <a:schemeClr val="accent1"/>
-          </a:fillRef>
-          <a:effectRef idx="0">
-            <a:schemeClr val="accent1"/>
-          </a:effectRef>
-          <a:fontRef idx="minor">
-            <a:schemeClr val="lt1"/>
-          </a:fontRef>
-        </p:style>
-        <p:txBody>
-          <a:bodyPr rtlCol="0" anchor="ctr"/>
-          <a:lstStyle/>
-          <a:p>
-            <a:pPr algn="ctr"/>
-            <a:r>
-              <a:rPr lang="ko-KR" altLang="en-US" sz="2000" b="1" dirty="0">
-                <a:latin typeface="나눔스퀘어 Bold" panose="020B0600000101010101" pitchFamily="50" charset="-127"/>
-                <a:ea typeface="나눔스퀘어 Bold" panose="020B0600000101010101" pitchFamily="50" charset="-127"/>
-              </a:rPr>
-              <a:t>안정성</a:t>
-            </a:r>
-            <a:endParaRPr lang="ko-KR" altLang="en-US" b="1" dirty="0">
-              <a:latin typeface="나눔스퀘어 Bold" panose="020B0600000101010101" pitchFamily="50" charset="-127"/>
-              <a:ea typeface="나눔스퀘어 Bold" panose="020B0600000101010101" pitchFamily="50" charset="-127"/>
-            </a:endParaRPr>
-          </a:p>
-        </p:txBody>
-      </p:sp>
+              </a:endParaRPr>
+            </a:p>
+          </p:txBody>
+        </p:sp>
+      </p:grpSp>
     </p:spTree>
     <p:extLst>
       <p:ext uri="{BB962C8B-B14F-4D97-AF65-F5344CB8AC3E}">
